--- a/Doc/Hypervisor.pptx
+++ b/Doc/Hypervisor.pptx
@@ -5,16 +5,17 @@
     <p:sldMasterId id="2147483648" r:id="rId4"/>
   </p:sldMasterIdLst>
   <p:notesMasterIdLst>
-    <p:notesMasterId r:id="rId9"/>
+    <p:notesMasterId r:id="rId10"/>
   </p:notesMasterIdLst>
   <p:handoutMasterIdLst>
-    <p:handoutMasterId r:id="rId10"/>
+    <p:handoutMasterId r:id="rId11"/>
   </p:handoutMasterIdLst>
   <p:sldIdLst>
     <p:sldId id="843" r:id="rId5"/>
     <p:sldId id="826" r:id="rId6"/>
     <p:sldId id="844" r:id="rId7"/>
     <p:sldId id="845" r:id="rId8"/>
+    <p:sldId id="846" r:id="rId9"/>
   </p:sldIdLst>
   <p:sldSz cx="9144000" cy="6858000" type="screen4x3"/>
   <p:notesSz cx="6858000" cy="9144000"/>
@@ -207,7 +208,7 @@
             <a:fld id="{E0EBE68B-C5D1-4AEF-ABE6-2E382B6B8028}" type="datetimeFigureOut">
               <a:rPr lang="en-US" smtClean="0"/>
               <a:pPr/>
-              <a:t>7/9/13</a:t>
+              <a:t>8/29/13</a:t>
             </a:fld>
             <a:endParaRPr lang="en-US"/>
           </a:p>
@@ -283,7 +284,7 @@
     </p:spTree>
     <p:extLst>
       <p:ext uri="{BB962C8B-B14F-4D97-AF65-F5344CB8AC3E}">
-        <p14:creationId xmlns:mc="http://schemas.openxmlformats.org/markup-compatibility/2006" xmlns:mv="urn:schemas-microsoft-com:mac:vml" xmlns:p14="http://schemas.microsoft.com/office/powerpoint/2010/main" xmlns:p="http://schemas.openxmlformats.org/presentationml/2006/main" xmlns:r="http://schemas.openxmlformats.org/officeDocument/2006/relationships" xmlns:a="http://schemas.openxmlformats.org/drawingml/2006/main" xmlns="" val="179765844"/>
+        <p14:creationId xmlns="" xmlns:a="http://schemas.openxmlformats.org/drawingml/2006/main" xmlns:r="http://schemas.openxmlformats.org/officeDocument/2006/relationships" xmlns:p="http://schemas.openxmlformats.org/presentationml/2006/main" xmlns:p14="http://schemas.microsoft.com/office/powerpoint/2010/main" xmlns:mv="urn:schemas-microsoft-com:mac:vml" xmlns:mc="http://schemas.openxmlformats.org/markup-compatibility/2006" val="179765844"/>
       </p:ext>
     </p:extLst>
   </p:cSld>
@@ -375,7 +376,7 @@
             <a:fld id="{C4A7A8CC-7372-45F7-81DB-D555F5C65FA2}" type="datetimeFigureOut">
               <a:rPr lang="en-US" smtClean="0"/>
               <a:pPr/>
-              <a:t>7/9/13</a:t>
+              <a:t>8/29/13</a:t>
             </a:fld>
             <a:endParaRPr lang="en-US"/>
           </a:p>
@@ -546,7 +547,7 @@
     </p:spTree>
     <p:extLst>
       <p:ext uri="{BB962C8B-B14F-4D97-AF65-F5344CB8AC3E}">
-        <p14:creationId xmlns:mc="http://schemas.openxmlformats.org/markup-compatibility/2006" xmlns:mv="urn:schemas-microsoft-com:mac:vml" xmlns:p14="http://schemas.microsoft.com/office/powerpoint/2010/main" xmlns:p="http://schemas.openxmlformats.org/presentationml/2006/main" xmlns:r="http://schemas.openxmlformats.org/officeDocument/2006/relationships" xmlns:a="http://schemas.openxmlformats.org/drawingml/2006/main" xmlns="" val="2478377920"/>
+        <p14:creationId xmlns="" xmlns:a="http://schemas.openxmlformats.org/drawingml/2006/main" xmlns:r="http://schemas.openxmlformats.org/officeDocument/2006/relationships" xmlns:p="http://schemas.openxmlformats.org/presentationml/2006/main" xmlns:p14="http://schemas.microsoft.com/office/powerpoint/2010/main" xmlns:mv="urn:schemas-microsoft-com:mac:vml" xmlns:mc="http://schemas.openxmlformats.org/markup-compatibility/2006" val="2478377920"/>
       </p:ext>
     </p:extLst>
   </p:cSld>
@@ -994,6 +995,95 @@
 </p:notes>
 </file>
 
+<file path=ppt/notesSlides/notesSlide5.xml><?xml version="1.0" encoding="utf-8"?>
+<p:notes xmlns:a="http://schemas.openxmlformats.org/drawingml/2006/main" xmlns:r="http://schemas.openxmlformats.org/officeDocument/2006/relationships" xmlns:mc="http://schemas.openxmlformats.org/markup-compatibility/2006" xmlns:mv="urn:schemas-microsoft-com:mac:vml" xmlns:p="http://schemas.openxmlformats.org/presentationml/2006/main" mc:Ignorable="mv" mc:PreserveAttributes="mv:*">
+  <p:cSld>
+    <p:spTree>
+      <p:nvGrpSpPr>
+        <p:cNvPr id="1" name=""/>
+        <p:cNvGrpSpPr/>
+        <p:nvPr/>
+      </p:nvGrpSpPr>
+      <p:grpSpPr>
+        <a:xfrm>
+          <a:off x="0" y="0"/>
+          <a:ext cx="0" cy="0"/>
+          <a:chOff x="0" y="0"/>
+          <a:chExt cx="0" cy="0"/>
+        </a:xfrm>
+      </p:grpSpPr>
+      <p:sp>
+        <p:nvSpPr>
+          <p:cNvPr id="75778" name="Slide Image Placeholder 1"/>
+          <p:cNvSpPr>
+            <a:spLocks noGrp="1" noRot="1" noChangeAspect="1" noTextEdit="1"/>
+          </p:cNvSpPr>
+          <p:nvPr>
+            <p:ph type="sldImg"/>
+          </p:nvPr>
+        </p:nvSpPr>
+        <p:spPr>
+          <a:ln/>
+        </p:spPr>
+      </p:sp>
+      <p:sp>
+        <p:nvSpPr>
+          <p:cNvPr id="75779" name="Notes Placeholder 2"/>
+          <p:cNvSpPr>
+            <a:spLocks noGrp="1"/>
+          </p:cNvSpPr>
+          <p:nvPr>
+            <p:ph type="body" idx="1"/>
+          </p:nvPr>
+        </p:nvSpPr>
+        <p:spPr>
+          <a:noFill/>
+          <a:ln/>
+        </p:spPr>
+        <p:txBody>
+          <a:bodyPr/>
+          <a:lstStyle/>
+          <a:p>
+            <a:endParaRPr lang="en-US" smtClean="0">
+              <a:latin typeface="Arial" pitchFamily="34" charset="0"/>
+            </a:endParaRPr>
+          </a:p>
+        </p:txBody>
+      </p:sp>
+      <p:sp>
+        <p:nvSpPr>
+          <p:cNvPr id="75780" name="Slide Number Placeholder 3"/>
+          <p:cNvSpPr>
+            <a:spLocks noGrp="1"/>
+          </p:cNvSpPr>
+          <p:nvPr>
+            <p:ph type="sldNum" sz="quarter" idx="5"/>
+          </p:nvPr>
+        </p:nvSpPr>
+        <p:spPr>
+          <a:noFill/>
+        </p:spPr>
+        <p:txBody>
+          <a:bodyPr/>
+          <a:lstStyle/>
+          <a:p>
+            <a:fld id="{6FEFB512-6717-450F-99BD-C4ACB0BCC525}" type="slidenum">
+              <a:rPr lang="en-US"/>
+              <a:pPr/>
+              <a:t>5</a:t>
+            </a:fld>
+            <a:endParaRPr lang="en-US"/>
+          </a:p>
+        </p:txBody>
+      </p:sp>
+    </p:spTree>
+  </p:cSld>
+  <p:clrMapOvr>
+    <a:masterClrMapping/>
+  </p:clrMapOvr>
+</p:notes>
+</file>
+
 <file path=ppt/slideLayouts/slideLayout1.xml><?xml version="1.0" encoding="utf-8"?>
 <p:sldLayout xmlns:a="http://schemas.openxmlformats.org/drawingml/2006/main" xmlns:r="http://schemas.openxmlformats.org/officeDocument/2006/relationships" xmlns:mc="http://schemas.openxmlformats.org/markup-compatibility/2006" xmlns:mv="urn:schemas-microsoft-com:mac:vml" xmlns:p="http://schemas.openxmlformats.org/presentationml/2006/main" mc:Ignorable="mv" mc:PreserveAttributes="mv:*" type="title" preserve="1">
   <p:cSld name="Title Slide">
@@ -1176,7 +1266,7 @@
             <a:fld id="{3F9A5CCD-BD94-7446-AF68-FA1C96765699}" type="datetime1">
               <a:rPr lang="en-US" smtClean="0"/>
               <a:pPr/>
-              <a:t>7/9/13</a:t>
+              <a:t>8/29/13</a:t>
             </a:fld>
             <a:endParaRPr lang="en-US"/>
           </a:p>
@@ -1324,7 +1414,7 @@
             <a:fld id="{F673A786-9767-FE49-9993-F6A312CB6A25}" type="datetime1">
               <a:rPr lang="en-US" smtClean="0"/>
               <a:pPr/>
-              <a:t>7/9/13</a:t>
+              <a:t>8/29/13</a:t>
             </a:fld>
             <a:endParaRPr lang="en-US"/>
           </a:p>
@@ -1501,7 +1591,7 @@
             <a:fld id="{FB3A69AC-16F0-A149-9966-57CD8630D3A8}" type="datetime1">
               <a:rPr lang="en-US" smtClean="0"/>
               <a:pPr/>
-              <a:t>7/9/13</a:t>
+              <a:t>8/29/13</a:t>
             </a:fld>
             <a:endParaRPr lang="en-US"/>
           </a:p>
@@ -1668,7 +1758,7 @@
             <a:fld id="{4637C8A4-36FA-0B47-80C8-A643D538DC16}" type="datetime1">
               <a:rPr lang="en-US" smtClean="0"/>
               <a:pPr/>
-              <a:t>7/9/13</a:t>
+              <a:t>8/29/13</a:t>
             </a:fld>
             <a:endParaRPr lang="en-US"/>
           </a:p>
@@ -1892,7 +1982,7 @@
             <a:fld id="{E5C27FD5-BFAF-D349-9BE2-B81482BC39CD}" type="datetime1">
               <a:rPr lang="en-US" smtClean="0"/>
               <a:pPr/>
-              <a:t>7/9/13</a:t>
+              <a:t>8/29/13</a:t>
             </a:fld>
             <a:endParaRPr lang="en-US"/>
           </a:p>
@@ -2177,7 +2267,7 @@
             <a:fld id="{D1FA60F8-C20B-2948-85A4-F1FE3710B60E}" type="datetime1">
               <a:rPr lang="en-US" smtClean="0"/>
               <a:pPr/>
-              <a:t>7/9/13</a:t>
+              <a:t>8/29/13</a:t>
             </a:fld>
             <a:endParaRPr lang="en-US"/>
           </a:p>
@@ -2596,7 +2686,7 @@
             <a:fld id="{E3BF1BCF-DCBA-2C4C-B9F0-29E1B0430F96}" type="datetime1">
               <a:rPr lang="en-US" smtClean="0"/>
               <a:pPr/>
-              <a:t>7/9/13</a:t>
+              <a:t>8/29/13</a:t>
             </a:fld>
             <a:endParaRPr lang="en-US"/>
           </a:p>
@@ -2711,7 +2801,7 @@
             <a:fld id="{00565104-BF06-6F4F-BD51-0FDEFDC5410E}" type="datetime1">
               <a:rPr lang="en-US" smtClean="0"/>
               <a:pPr/>
-              <a:t>7/9/13</a:t>
+              <a:t>8/29/13</a:t>
             </a:fld>
             <a:endParaRPr lang="en-US"/>
           </a:p>
@@ -2803,7 +2893,7 @@
             <a:fld id="{15B764B1-84D4-E74A-8E7D-91E7A6978174}" type="datetime1">
               <a:rPr lang="en-US" smtClean="0"/>
               <a:pPr/>
-              <a:t>7/9/13</a:t>
+              <a:t>8/29/13</a:t>
             </a:fld>
             <a:endParaRPr lang="en-US"/>
           </a:p>
@@ -3077,7 +3167,7 @@
             <a:fld id="{B59F0B7B-869B-3E4D-87AD-433CC8C1B8E8}" type="datetime1">
               <a:rPr lang="en-US" smtClean="0"/>
               <a:pPr/>
-              <a:t>7/9/13</a:t>
+              <a:t>8/29/13</a:t>
             </a:fld>
             <a:endParaRPr lang="en-US"/>
           </a:p>
@@ -3327,7 +3417,7 @@
             <a:fld id="{DABAEF2E-190C-574F-A31A-65B51332CC22}" type="datetime1">
               <a:rPr lang="en-US" smtClean="0"/>
               <a:pPr/>
-              <a:t>7/9/13</a:t>
+              <a:t>8/29/13</a:t>
             </a:fld>
             <a:endParaRPr lang="en-US"/>
           </a:p>
@@ -3537,7 +3627,7 @@
             <a:fld id="{1FC80C17-44DD-FC4B-9DA6-74B126DD86BC}" type="datetime1">
               <a:rPr lang="en-US" smtClean="0"/>
               <a:pPr/>
-              <a:t>7/9/13</a:t>
+              <a:t>8/29/13</a:t>
             </a:fld>
             <a:endParaRPr lang="en-US"/>
           </a:p>
@@ -5205,7 +5295,7 @@
     </p:spTree>
     <p:extLst>
       <p:ext uri="{BB962C8B-B14F-4D97-AF65-F5344CB8AC3E}">
-        <p14:creationId xmlns:mc="http://schemas.openxmlformats.org/markup-compatibility/2006" xmlns:mv="urn:schemas-microsoft-com:mac:vml" xmlns:p14="http://schemas.microsoft.com/office/powerpoint/2010/main" xmlns:p="http://schemas.openxmlformats.org/presentationml/2006/main" xmlns:r="http://schemas.openxmlformats.org/officeDocument/2006/relationships" xmlns:a="http://schemas.openxmlformats.org/drawingml/2006/main" xmlns="" val="3115145481"/>
+        <p14:creationId xmlns="" xmlns:a="http://schemas.openxmlformats.org/drawingml/2006/main" xmlns:r="http://schemas.openxmlformats.org/officeDocument/2006/relationships" xmlns:p="http://schemas.openxmlformats.org/presentationml/2006/main" xmlns:p14="http://schemas.microsoft.com/office/powerpoint/2010/main" xmlns:mv="urn:schemas-microsoft-com:mac:vml" xmlns:mc="http://schemas.openxmlformats.org/markup-compatibility/2006" val="3115145481"/>
       </p:ext>
     </p:extLst>
   </p:cSld>
@@ -5376,7 +5466,7 @@
             <a:fld id="{8F0B52C1-8243-BD4D-9D79-7319795557F5}" type="datetime1">
               <a:rPr lang="en-US" smtClean="0"/>
               <a:pPr/>
-              <a:t>7/9/13</a:t>
+              <a:t>8/29/13</a:t>
             </a:fld>
             <a:endParaRPr lang="en-US"/>
           </a:p>
@@ -5385,7 +5475,7 @@
     </p:spTree>
     <p:extLst>
       <p:ext uri="{BB962C8B-B14F-4D97-AF65-F5344CB8AC3E}">
-        <p14:creationId xmlns:mc="http://schemas.openxmlformats.org/markup-compatibility/2006" xmlns:mv="urn:schemas-microsoft-com:mac:vml" xmlns:p14="http://schemas.microsoft.com/office/powerpoint/2010/main" xmlns:p="http://schemas.openxmlformats.org/presentationml/2006/main" xmlns:r="http://schemas.openxmlformats.org/officeDocument/2006/relationships" xmlns:a="http://schemas.openxmlformats.org/drawingml/2006/main" xmlns="" val="2688033827"/>
+        <p14:creationId xmlns="" xmlns:a="http://schemas.openxmlformats.org/drawingml/2006/main" xmlns:r="http://schemas.openxmlformats.org/officeDocument/2006/relationships" xmlns:p="http://schemas.openxmlformats.org/presentationml/2006/main" xmlns:p14="http://schemas.microsoft.com/office/powerpoint/2010/main" xmlns:mv="urn:schemas-microsoft-com:mac:vml" xmlns:mc="http://schemas.openxmlformats.org/markup-compatibility/2006" val="2688033827"/>
       </p:ext>
     </p:extLst>
   </p:cSld>
@@ -5593,7 +5683,7 @@
             <a:fld id="{8F0B52C1-8243-BD4D-9D79-7319795557F5}" type="datetime1">
               <a:rPr lang="en-US" smtClean="0"/>
               <a:pPr/>
-              <a:t>7/9/13</a:t>
+              <a:t>8/29/13</a:t>
             </a:fld>
             <a:endParaRPr lang="en-US"/>
           </a:p>
@@ -5602,7 +5692,7 @@
     </p:spTree>
     <p:extLst>
       <p:ext uri="{BB962C8B-B14F-4D97-AF65-F5344CB8AC3E}">
-        <p14:creationId xmlns:mc="http://schemas.openxmlformats.org/markup-compatibility/2006" xmlns:mv="urn:schemas-microsoft-com:mac:vml" xmlns:p14="http://schemas.microsoft.com/office/powerpoint/2010/main" xmlns:p="http://schemas.openxmlformats.org/presentationml/2006/main" xmlns:r="http://schemas.openxmlformats.org/officeDocument/2006/relationships" xmlns:a="http://schemas.openxmlformats.org/drawingml/2006/main" xmlns="" val="2688033827"/>
+        <p14:creationId xmlns="" xmlns:a="http://schemas.openxmlformats.org/drawingml/2006/main" xmlns:r="http://schemas.openxmlformats.org/officeDocument/2006/relationships" xmlns:p="http://schemas.openxmlformats.org/presentationml/2006/main" xmlns:p14="http://schemas.microsoft.com/office/powerpoint/2010/main" xmlns:mv="urn:schemas-microsoft-com:mac:vml" xmlns:mc="http://schemas.openxmlformats.org/markup-compatibility/2006" val="2688033827"/>
       </p:ext>
     </p:extLst>
   </p:cSld>
@@ -5698,11 +5788,7 @@
             <a:pPr lvl="1"/>
             <a:r>
               <a:rPr lang="en-US" sz="2000" dirty="0" smtClean="0"/>
-              <a:t>Performs I/O for shared </a:t>
-            </a:r>
-            <a:r>
-              <a:rPr lang="en-US" sz="2000" dirty="0" smtClean="0"/>
-              <a:t>devices</a:t>
+              <a:t>Performs I/O for shared devices</a:t>
             </a:r>
           </a:p>
           <a:p>
@@ -5722,11 +5808,7 @@
             <a:pPr lvl="1"/>
             <a:r>
               <a:rPr lang="en-US" sz="2000" dirty="0" smtClean="0"/>
-              <a:t>Implements </a:t>
-            </a:r>
-            <a:r>
-              <a:rPr lang="en-US" sz="2000" dirty="0" smtClean="0"/>
-              <a:t>Tao for OS</a:t>
+              <a:t>Implements Tao for OS</a:t>
             </a:r>
           </a:p>
           <a:p>
@@ -5793,7 +5875,7 @@
             <a:fld id="{8F0B52C1-8243-BD4D-9D79-7319795557F5}" type="datetime1">
               <a:rPr lang="en-US" smtClean="0"/>
               <a:pPr/>
-              <a:t>7/9/13</a:t>
+              <a:t>8/29/13</a:t>
             </a:fld>
             <a:endParaRPr lang="en-US"/>
           </a:p>
@@ -5802,13 +5884,1373 @@
     </p:spTree>
     <p:extLst>
       <p:ext uri="{BB962C8B-B14F-4D97-AF65-F5344CB8AC3E}">
-        <p14:creationId xmlns:mc="http://schemas.openxmlformats.org/markup-compatibility/2006" xmlns:mv="urn:schemas-microsoft-com:mac:vml" xmlns:p14="http://schemas.microsoft.com/office/powerpoint/2010/main" xmlns:p="http://schemas.openxmlformats.org/presentationml/2006/main" xmlns:r="http://schemas.openxmlformats.org/officeDocument/2006/relationships" xmlns:a="http://schemas.openxmlformats.org/drawingml/2006/main" xmlns="" val="2688033827"/>
+        <p14:creationId xmlns="" xmlns:a="http://schemas.openxmlformats.org/drawingml/2006/main" xmlns:r="http://schemas.openxmlformats.org/officeDocument/2006/relationships" xmlns:p="http://schemas.openxmlformats.org/presentationml/2006/main" xmlns:p14="http://schemas.microsoft.com/office/powerpoint/2010/main" xmlns:mv="urn:schemas-microsoft-com:mac:vml" xmlns:mc="http://schemas.openxmlformats.org/markup-compatibility/2006" val="2688033827"/>
       </p:ext>
     </p:extLst>
   </p:cSld>
   <p:clrMapOvr>
     <a:masterClrMapping/>
   </p:clrMapOvr>
+  <p:timing>
+    <p:tnLst>
+      <p:par>
+        <p:cTn id="1" dur="indefinite" restart="never" nodeType="tmRoot"/>
+      </p:par>
+    </p:tnLst>
+  </p:timing>
+</p:sld>
+</file>
+
+<file path=ppt/slides/slide5.xml><?xml version="1.0" encoding="utf-8"?>
+<p:sld xmlns:a="http://schemas.openxmlformats.org/drawingml/2006/main" xmlns:r="http://schemas.openxmlformats.org/officeDocument/2006/relationships" xmlns:mc="http://schemas.openxmlformats.org/markup-compatibility/2006" xmlns:mv="urn:schemas-microsoft-com:mac:vml" xmlns:p="http://schemas.openxmlformats.org/presentationml/2006/main" mc:Ignorable="mv" mc:PreserveAttributes="mv:*">
+  <p:cSld>
+    <p:spTree>
+      <p:nvGrpSpPr>
+        <p:cNvPr id="1" name=""/>
+        <p:cNvGrpSpPr/>
+        <p:nvPr/>
+      </p:nvGrpSpPr>
+      <p:grpSpPr>
+        <a:xfrm>
+          <a:off x="0" y="0"/>
+          <a:ext cx="0" cy="0"/>
+          <a:chOff x="0" y="0"/>
+          <a:chExt cx="0" cy="0"/>
+        </a:xfrm>
+      </p:grpSpPr>
+      <p:sp>
+        <p:nvSpPr>
+          <p:cNvPr id="2" name="Title 1"/>
+          <p:cNvSpPr>
+            <a:spLocks noGrp="1"/>
+          </p:cNvSpPr>
+          <p:nvPr>
+            <p:ph type="title"/>
+          </p:nvPr>
+        </p:nvSpPr>
+        <p:spPr>
+          <a:xfrm>
+            <a:off x="228600" y="0"/>
+            <a:ext cx="8382000" cy="762000"/>
+          </a:xfrm>
+        </p:spPr>
+        <p:txBody>
+          <a:bodyPr>
+            <a:normAutofit/>
+          </a:bodyPr>
+          <a:lstStyle/>
+          <a:p>
+            <a:pPr>
+              <a:defRPr/>
+            </a:pPr>
+            <a:r>
+              <a:rPr lang="en-US" sz="4000" dirty="0" smtClean="0">
+                <a:ea typeface="+mj-ea"/>
+              </a:rPr>
+              <a:t>KVM Hypervisor</a:t>
+            </a:r>
+            <a:endParaRPr lang="en-US" sz="4000" dirty="0">
+              <a:ea typeface="+mj-ea"/>
+            </a:endParaRPr>
+          </a:p>
+        </p:txBody>
+      </p:sp>
+      <p:sp>
+        <p:nvSpPr>
+          <p:cNvPr id="12295" name="Rectangle 7"/>
+          <p:cNvSpPr>
+            <a:spLocks noChangeArrowheads="1"/>
+          </p:cNvSpPr>
+          <p:nvPr/>
+        </p:nvSpPr>
+        <p:spPr bwMode="auto">
+          <a:xfrm>
+            <a:off x="304800" y="1143000"/>
+            <a:ext cx="7620000" cy="4343400"/>
+          </a:xfrm>
+          <a:prstGeom prst="rect">
+            <a:avLst/>
+          </a:prstGeom>
+          <a:noFill/>
+          <a:ln w="19050" algn="ctr">
+            <a:solidFill>
+              <a:schemeClr val="tx1"/>
+            </a:solidFill>
+            <a:round/>
+            <a:headEnd/>
+            <a:tailEnd/>
+          </a:ln>
+        </p:spPr>
+        <p:txBody>
+          <a:bodyPr/>
+          <a:lstStyle/>
+          <a:p>
+            <a:pPr>
+              <a:lnSpc>
+                <a:spcPct val="90000"/>
+              </a:lnSpc>
+              <a:spcBef>
+                <a:spcPct val="20000"/>
+              </a:spcBef>
+              <a:buClr>
+                <a:schemeClr val="bg1"/>
+              </a:buClr>
+            </a:pPr>
+            <a:endParaRPr lang="en-US"/>
+          </a:p>
+        </p:txBody>
+      </p:sp>
+      <p:sp>
+        <p:nvSpPr>
+          <p:cNvPr id="12324" name="Oval 64"/>
+          <p:cNvSpPr>
+            <a:spLocks noChangeArrowheads="1"/>
+          </p:cNvSpPr>
+          <p:nvPr/>
+        </p:nvSpPr>
+        <p:spPr bwMode="auto">
+          <a:xfrm>
+            <a:off x="1295400" y="5715000"/>
+            <a:ext cx="685800" cy="457200"/>
+          </a:xfrm>
+          <a:prstGeom prst="ellipse">
+            <a:avLst/>
+          </a:prstGeom>
+          <a:noFill/>
+          <a:ln w="19050" algn="ctr">
+            <a:solidFill>
+              <a:schemeClr val="tx1"/>
+            </a:solidFill>
+            <a:round/>
+            <a:headEnd/>
+            <a:tailEnd/>
+          </a:ln>
+        </p:spPr>
+        <p:txBody>
+          <a:bodyPr/>
+          <a:lstStyle/>
+          <a:p>
+            <a:pPr>
+              <a:lnSpc>
+                <a:spcPct val="90000"/>
+              </a:lnSpc>
+              <a:spcBef>
+                <a:spcPct val="20000"/>
+              </a:spcBef>
+              <a:buClr>
+                <a:schemeClr val="bg1"/>
+              </a:buClr>
+            </a:pPr>
+            <a:endParaRPr lang="en-US"/>
+          </a:p>
+        </p:txBody>
+      </p:sp>
+      <p:sp>
+        <p:nvSpPr>
+          <p:cNvPr id="12325" name="TextBox 65"/>
+          <p:cNvSpPr txBox="1">
+            <a:spLocks noChangeArrowheads="1"/>
+          </p:cNvSpPr>
+          <p:nvPr/>
+        </p:nvSpPr>
+        <p:spPr bwMode="auto">
+          <a:xfrm>
+            <a:off x="1360488" y="5791200"/>
+            <a:ext cx="544512" cy="307975"/>
+          </a:xfrm>
+          <a:prstGeom prst="rect">
+            <a:avLst/>
+          </a:prstGeom>
+          <a:noFill/>
+          <a:ln w="9525">
+            <a:noFill/>
+            <a:miter lim="800000"/>
+            <a:headEnd/>
+            <a:tailEnd/>
+          </a:ln>
+        </p:spPr>
+        <p:txBody>
+          <a:bodyPr wrap="none">
+            <a:spAutoFit/>
+          </a:bodyPr>
+          <a:lstStyle/>
+          <a:p>
+            <a:r>
+              <a:rPr lang="en-US" sz="1400" dirty="0"/>
+              <a:t>Disks</a:t>
+            </a:r>
+          </a:p>
+        </p:txBody>
+      </p:sp>
+      <p:cxnSp>
+        <p:nvCxnSpPr>
+          <p:cNvPr id="126" name="Straight Connector 125"/>
+          <p:cNvCxnSpPr/>
+          <p:nvPr/>
+        </p:nvCxnSpPr>
+        <p:spPr bwMode="auto">
+          <a:xfrm rot="5400000">
+            <a:off x="1021082" y="3840478"/>
+            <a:ext cx="548640" cy="3"/>
+          </a:xfrm>
+          <a:prstGeom prst="line">
+            <a:avLst/>
+          </a:prstGeom>
+          <a:ln w="25400">
+            <a:solidFill>
+              <a:srgbClr val="008000"/>
+            </a:solidFill>
+            <a:headEnd type="none" w="med" len="med"/>
+            <a:tailEnd type="none" w="med" len="med"/>
+          </a:ln>
+        </p:spPr>
+        <p:style>
+          <a:lnRef idx="1">
+            <a:schemeClr val="dk1"/>
+          </a:lnRef>
+          <a:fillRef idx="0">
+            <a:schemeClr val="dk1"/>
+          </a:fillRef>
+          <a:effectRef idx="0">
+            <a:schemeClr val="dk1"/>
+          </a:effectRef>
+          <a:fontRef idx="minor">
+            <a:schemeClr val="tx1"/>
+          </a:fontRef>
+        </p:style>
+      </p:cxnSp>
+      <p:sp>
+        <p:nvSpPr>
+          <p:cNvPr id="66" name="Rectangle 7"/>
+          <p:cNvSpPr>
+            <a:spLocks noChangeArrowheads="1"/>
+          </p:cNvSpPr>
+          <p:nvPr/>
+        </p:nvSpPr>
+        <p:spPr bwMode="auto">
+          <a:xfrm>
+            <a:off x="457200" y="4114006"/>
+            <a:ext cx="7315200" cy="1296194"/>
+          </a:xfrm>
+          <a:prstGeom prst="rect">
+            <a:avLst/>
+          </a:prstGeom>
+          <a:noFill/>
+          <a:ln w="25400" algn="ctr">
+            <a:solidFill>
+              <a:srgbClr val="FF0000"/>
+            </a:solidFill>
+            <a:round/>
+            <a:headEnd/>
+            <a:tailEnd/>
+          </a:ln>
+        </p:spPr>
+        <p:txBody>
+          <a:bodyPr/>
+          <a:lstStyle/>
+          <a:p>
+            <a:pPr>
+              <a:lnSpc>
+                <a:spcPct val="90000"/>
+              </a:lnSpc>
+              <a:spcBef>
+                <a:spcPct val="20000"/>
+              </a:spcBef>
+              <a:buClr>
+                <a:schemeClr val="bg1"/>
+              </a:buClr>
+            </a:pPr>
+            <a:endParaRPr lang="en-US"/>
+          </a:p>
+        </p:txBody>
+      </p:sp>
+      <p:sp>
+        <p:nvSpPr>
+          <p:cNvPr id="67" name="Rectangle 7"/>
+          <p:cNvSpPr>
+            <a:spLocks noChangeArrowheads="1"/>
+          </p:cNvSpPr>
+          <p:nvPr/>
+        </p:nvSpPr>
+        <p:spPr bwMode="auto">
+          <a:xfrm>
+            <a:off x="457200" y="1371600"/>
+            <a:ext cx="1905000" cy="2209800"/>
+          </a:xfrm>
+          <a:prstGeom prst="rect">
+            <a:avLst/>
+          </a:prstGeom>
+          <a:noFill/>
+          <a:ln w="19050" algn="ctr">
+            <a:solidFill>
+              <a:srgbClr val="FF0000"/>
+            </a:solidFill>
+            <a:round/>
+            <a:headEnd/>
+            <a:tailEnd/>
+          </a:ln>
+        </p:spPr>
+        <p:txBody>
+          <a:bodyPr/>
+          <a:lstStyle/>
+          <a:p>
+            <a:pPr>
+              <a:lnSpc>
+                <a:spcPct val="90000"/>
+              </a:lnSpc>
+              <a:spcBef>
+                <a:spcPct val="20000"/>
+              </a:spcBef>
+              <a:buClr>
+                <a:schemeClr val="bg1"/>
+              </a:buClr>
+            </a:pPr>
+            <a:endParaRPr lang="en-US"/>
+          </a:p>
+        </p:txBody>
+      </p:sp>
+      <p:sp>
+        <p:nvSpPr>
+          <p:cNvPr id="68" name="Rectangle 7"/>
+          <p:cNvSpPr>
+            <a:spLocks noChangeArrowheads="1"/>
+          </p:cNvSpPr>
+          <p:nvPr/>
+        </p:nvSpPr>
+        <p:spPr bwMode="auto">
+          <a:xfrm>
+            <a:off x="5486400" y="1295400"/>
+            <a:ext cx="2209800" cy="2590800"/>
+          </a:xfrm>
+          <a:prstGeom prst="rect">
+            <a:avLst/>
+          </a:prstGeom>
+          <a:noFill/>
+          <a:ln w="19050" algn="ctr">
+            <a:solidFill>
+              <a:schemeClr val="tx1"/>
+            </a:solidFill>
+            <a:round/>
+            <a:headEnd/>
+            <a:tailEnd/>
+          </a:ln>
+        </p:spPr>
+        <p:txBody>
+          <a:bodyPr/>
+          <a:lstStyle/>
+          <a:p>
+            <a:pPr>
+              <a:lnSpc>
+                <a:spcPct val="90000"/>
+              </a:lnSpc>
+              <a:spcBef>
+                <a:spcPct val="20000"/>
+              </a:spcBef>
+              <a:buClr>
+                <a:schemeClr val="bg1"/>
+              </a:buClr>
+            </a:pPr>
+            <a:endParaRPr lang="en-US"/>
+          </a:p>
+        </p:txBody>
+      </p:sp>
+      <p:sp>
+        <p:nvSpPr>
+          <p:cNvPr id="70" name="TextBox 63"/>
+          <p:cNvSpPr txBox="1">
+            <a:spLocks noChangeArrowheads="1"/>
+          </p:cNvSpPr>
+          <p:nvPr/>
+        </p:nvSpPr>
+        <p:spPr bwMode="auto">
+          <a:xfrm>
+            <a:off x="3352800" y="4572000"/>
+            <a:ext cx="1676400" cy="461665"/>
+          </a:xfrm>
+          <a:prstGeom prst="rect">
+            <a:avLst/>
+          </a:prstGeom>
+          <a:noFill/>
+          <a:ln w="9525">
+            <a:noFill/>
+            <a:miter lim="800000"/>
+            <a:headEnd/>
+            <a:tailEnd/>
+          </a:ln>
+        </p:spPr>
+        <p:txBody>
+          <a:bodyPr wrap="square">
+            <a:spAutoFit/>
+          </a:bodyPr>
+          <a:lstStyle/>
+          <a:p>
+            <a:r>
+              <a:rPr lang="en-US" sz="2400" b="1" dirty="0" smtClean="0">
+                <a:solidFill>
+                  <a:srgbClr val="FF0000"/>
+                </a:solidFill>
+              </a:rPr>
+              <a:t>Linux</a:t>
+            </a:r>
+            <a:endParaRPr lang="en-US" sz="2400" b="1" dirty="0">
+              <a:solidFill>
+                <a:srgbClr val="FF0000"/>
+              </a:solidFill>
+            </a:endParaRPr>
+          </a:p>
+        </p:txBody>
+      </p:sp>
+      <p:sp>
+        <p:nvSpPr>
+          <p:cNvPr id="71" name="TextBox 63"/>
+          <p:cNvSpPr txBox="1">
+            <a:spLocks noChangeArrowheads="1"/>
+          </p:cNvSpPr>
+          <p:nvPr/>
+        </p:nvSpPr>
+        <p:spPr bwMode="auto">
+          <a:xfrm>
+            <a:off x="457200" y="1563469"/>
+            <a:ext cx="1905000" cy="646331"/>
+          </a:xfrm>
+          <a:prstGeom prst="rect">
+            <a:avLst/>
+          </a:prstGeom>
+          <a:noFill/>
+          <a:ln w="9525">
+            <a:noFill/>
+            <a:miter lim="800000"/>
+            <a:headEnd/>
+            <a:tailEnd/>
+          </a:ln>
+        </p:spPr>
+        <p:txBody>
+          <a:bodyPr wrap="square">
+            <a:spAutoFit/>
+          </a:bodyPr>
+          <a:lstStyle/>
+          <a:p>
+            <a:r>
+              <a:rPr lang="en-US" dirty="0" err="1" smtClean="0">
+                <a:solidFill>
+                  <a:srgbClr val="FF0000"/>
+                </a:solidFill>
+              </a:rPr>
+              <a:t>tcHvService.exe</a:t>
+            </a:r>
+            <a:endParaRPr lang="en-US" dirty="0" smtClean="0">
+              <a:solidFill>
+                <a:srgbClr val="FF0000"/>
+              </a:solidFill>
+            </a:endParaRPr>
+          </a:p>
+          <a:p>
+            <a:endParaRPr lang="en-US" b="1" dirty="0" smtClean="0">
+              <a:solidFill>
+                <a:srgbClr val="FF0000"/>
+              </a:solidFill>
+            </a:endParaRPr>
+          </a:p>
+        </p:txBody>
+      </p:sp>
+      <p:sp>
+        <p:nvSpPr>
+          <p:cNvPr id="73" name="TextBox 63"/>
+          <p:cNvSpPr txBox="1">
+            <a:spLocks noChangeArrowheads="1"/>
+          </p:cNvSpPr>
+          <p:nvPr/>
+        </p:nvSpPr>
+        <p:spPr bwMode="auto">
+          <a:xfrm>
+            <a:off x="457200" y="2310824"/>
+            <a:ext cx="1905000" cy="584776"/>
+          </a:xfrm>
+          <a:prstGeom prst="rect">
+            <a:avLst/>
+          </a:prstGeom>
+          <a:noFill/>
+          <a:ln w="9525">
+            <a:noFill/>
+            <a:miter lim="800000"/>
+            <a:headEnd/>
+            <a:tailEnd/>
+          </a:ln>
+        </p:spPr>
+        <p:txBody>
+          <a:bodyPr wrap="square">
+            <a:spAutoFit/>
+          </a:bodyPr>
+          <a:lstStyle/>
+          <a:p>
+            <a:r>
+              <a:rPr lang="en-US" sz="1600" dirty="0" smtClean="0"/>
+              <a:t>Tao (for </a:t>
+            </a:r>
+            <a:r>
+              <a:rPr lang="en-US" sz="1600" dirty="0" err="1" smtClean="0"/>
+              <a:t>Hv</a:t>
+            </a:r>
+            <a:r>
+              <a:rPr lang="en-US" sz="1600" dirty="0" smtClean="0"/>
+              <a:t>)</a:t>
+            </a:r>
+          </a:p>
+          <a:p>
+            <a:r>
+              <a:rPr lang="en-US" sz="1600" dirty="0" smtClean="0"/>
+              <a:t>Policy Public Key</a:t>
+            </a:r>
+            <a:endParaRPr lang="en-US" sz="1600" dirty="0"/>
+          </a:p>
+        </p:txBody>
+      </p:sp>
+      <p:cxnSp>
+        <p:nvCxnSpPr>
+          <p:cNvPr id="79" name="Straight Connector 78"/>
+          <p:cNvCxnSpPr/>
+          <p:nvPr/>
+        </p:nvCxnSpPr>
+        <p:spPr bwMode="auto">
+          <a:xfrm rot="5400000">
+            <a:off x="419894" y="5828506"/>
+            <a:ext cx="838200" cy="1588"/>
+          </a:xfrm>
+          <a:prstGeom prst="line">
+            <a:avLst/>
+          </a:prstGeom>
+          <a:ln w="19050">
+            <a:solidFill>
+              <a:srgbClr val="0000FF"/>
+            </a:solidFill>
+            <a:headEnd type="none" w="med" len="med"/>
+            <a:tailEnd type="none" w="med" len="med"/>
+          </a:ln>
+        </p:spPr>
+        <p:style>
+          <a:lnRef idx="1">
+            <a:schemeClr val="dk1"/>
+          </a:lnRef>
+          <a:fillRef idx="0">
+            <a:schemeClr val="dk1"/>
+          </a:fillRef>
+          <a:effectRef idx="0">
+            <a:schemeClr val="dk1"/>
+          </a:effectRef>
+          <a:fontRef idx="minor">
+            <a:schemeClr val="tx1"/>
+          </a:fontRef>
+        </p:style>
+      </p:cxnSp>
+      <p:sp>
+        <p:nvSpPr>
+          <p:cNvPr id="87" name="TextBox 63"/>
+          <p:cNvSpPr txBox="1">
+            <a:spLocks noChangeArrowheads="1"/>
+          </p:cNvSpPr>
+          <p:nvPr/>
+        </p:nvSpPr>
+        <p:spPr bwMode="auto">
+          <a:xfrm>
+            <a:off x="5791200" y="1295400"/>
+            <a:ext cx="1905000" cy="369332"/>
+          </a:xfrm>
+          <a:prstGeom prst="rect">
+            <a:avLst/>
+          </a:prstGeom>
+          <a:noFill/>
+          <a:ln w="9525">
+            <a:noFill/>
+            <a:miter lim="800000"/>
+            <a:headEnd/>
+            <a:tailEnd/>
+          </a:ln>
+        </p:spPr>
+        <p:txBody>
+          <a:bodyPr wrap="square">
+            <a:spAutoFit/>
+          </a:bodyPr>
+          <a:lstStyle/>
+          <a:p>
+            <a:r>
+              <a:rPr lang="en-US" dirty="0" smtClean="0">
+                <a:solidFill>
+                  <a:srgbClr val="0000FF"/>
+                </a:solidFill>
+              </a:rPr>
+              <a:t>Guest Partition</a:t>
+            </a:r>
+          </a:p>
+        </p:txBody>
+      </p:sp>
+      <p:cxnSp>
+        <p:nvCxnSpPr>
+          <p:cNvPr id="88" name="Straight Connector 87"/>
+          <p:cNvCxnSpPr/>
+          <p:nvPr/>
+        </p:nvCxnSpPr>
+        <p:spPr bwMode="auto">
+          <a:xfrm rot="5400000">
+            <a:off x="6558501" y="3967702"/>
+            <a:ext cx="292608" cy="1588"/>
+          </a:xfrm>
+          <a:prstGeom prst="line">
+            <a:avLst/>
+          </a:prstGeom>
+          <a:ln w="19050">
+            <a:solidFill>
+              <a:srgbClr val="008000"/>
+            </a:solidFill>
+            <a:headEnd type="none" w="med" len="med"/>
+            <a:tailEnd type="none" w="med" len="med"/>
+          </a:ln>
+        </p:spPr>
+        <p:style>
+          <a:lnRef idx="1">
+            <a:schemeClr val="dk1"/>
+          </a:lnRef>
+          <a:fillRef idx="0">
+            <a:schemeClr val="dk1"/>
+          </a:fillRef>
+          <a:effectRef idx="0">
+            <a:schemeClr val="dk1"/>
+          </a:effectRef>
+          <a:fontRef idx="minor">
+            <a:schemeClr val="tx1"/>
+          </a:fontRef>
+        </p:style>
+      </p:cxnSp>
+      <p:sp>
+        <p:nvSpPr>
+          <p:cNvPr id="99" name="Oval 64"/>
+          <p:cNvSpPr>
+            <a:spLocks noChangeArrowheads="1"/>
+          </p:cNvSpPr>
+          <p:nvPr/>
+        </p:nvSpPr>
+        <p:spPr bwMode="auto">
+          <a:xfrm>
+            <a:off x="533400" y="6248400"/>
+            <a:ext cx="685800" cy="457200"/>
+          </a:xfrm>
+          <a:prstGeom prst="ellipse">
+            <a:avLst/>
+          </a:prstGeom>
+          <a:noFill/>
+          <a:ln w="19050" algn="ctr">
+            <a:solidFill>
+              <a:schemeClr val="tx1"/>
+            </a:solidFill>
+            <a:round/>
+            <a:headEnd/>
+            <a:tailEnd/>
+          </a:ln>
+        </p:spPr>
+        <p:txBody>
+          <a:bodyPr/>
+          <a:lstStyle/>
+          <a:p>
+            <a:pPr>
+              <a:lnSpc>
+                <a:spcPct val="90000"/>
+              </a:lnSpc>
+              <a:spcBef>
+                <a:spcPct val="20000"/>
+              </a:spcBef>
+              <a:buClr>
+                <a:schemeClr val="bg1"/>
+              </a:buClr>
+            </a:pPr>
+            <a:endParaRPr lang="en-US"/>
+          </a:p>
+        </p:txBody>
+      </p:sp>
+      <p:sp>
+        <p:nvSpPr>
+          <p:cNvPr id="102" name="TextBox 65"/>
+          <p:cNvSpPr txBox="1">
+            <a:spLocks noChangeArrowheads="1"/>
+          </p:cNvSpPr>
+          <p:nvPr/>
+        </p:nvSpPr>
+        <p:spPr bwMode="auto">
+          <a:xfrm>
+            <a:off x="625278" y="6324600"/>
+            <a:ext cx="441522" cy="307777"/>
+          </a:xfrm>
+          <a:prstGeom prst="rect">
+            <a:avLst/>
+          </a:prstGeom>
+          <a:noFill/>
+          <a:ln w="9525">
+            <a:noFill/>
+            <a:miter lim="800000"/>
+            <a:headEnd/>
+            <a:tailEnd/>
+          </a:ln>
+        </p:spPr>
+        <p:txBody>
+          <a:bodyPr wrap="none">
+            <a:spAutoFit/>
+          </a:bodyPr>
+          <a:lstStyle/>
+          <a:p>
+            <a:r>
+              <a:rPr lang="en-US" sz="1400" dirty="0" smtClean="0"/>
+              <a:t>NIC</a:t>
+            </a:r>
+            <a:endParaRPr lang="en-US" sz="1400" dirty="0"/>
+          </a:p>
+        </p:txBody>
+      </p:sp>
+      <p:sp>
+        <p:nvSpPr>
+          <p:cNvPr id="108" name="TextBox 63"/>
+          <p:cNvSpPr txBox="1">
+            <a:spLocks noChangeArrowheads="1"/>
+          </p:cNvSpPr>
+          <p:nvPr/>
+        </p:nvSpPr>
+        <p:spPr bwMode="auto">
+          <a:xfrm>
+            <a:off x="5562600" y="1828800"/>
+            <a:ext cx="2057400" cy="830997"/>
+          </a:xfrm>
+          <a:prstGeom prst="rect">
+            <a:avLst/>
+          </a:prstGeom>
+          <a:noFill/>
+          <a:ln w="9525">
+            <a:noFill/>
+            <a:miter lim="800000"/>
+            <a:headEnd/>
+            <a:tailEnd/>
+          </a:ln>
+        </p:spPr>
+        <p:txBody>
+          <a:bodyPr wrap="square">
+            <a:spAutoFit/>
+          </a:bodyPr>
+          <a:lstStyle/>
+          <a:p>
+            <a:r>
+              <a:rPr lang="en-US" sz="1600" dirty="0" err="1" smtClean="0">
+                <a:solidFill>
+                  <a:srgbClr val="FF0000"/>
+                </a:solidFill>
+              </a:rPr>
+              <a:t>tcGuestOsService.exe</a:t>
+            </a:r>
+            <a:endParaRPr lang="en-US" sz="1600" dirty="0" smtClean="0"/>
+          </a:p>
+          <a:p>
+            <a:r>
+              <a:rPr lang="en-US" sz="1600" dirty="0" smtClean="0"/>
+              <a:t>Tao </a:t>
+            </a:r>
+            <a:r>
+              <a:rPr lang="en-US" sz="1600" dirty="0" smtClean="0"/>
+              <a:t>(for OS</a:t>
+            </a:r>
+            <a:r>
+              <a:rPr lang="en-US" sz="1600" dirty="0" smtClean="0"/>
+              <a:t>)</a:t>
+            </a:r>
+          </a:p>
+          <a:p>
+            <a:r>
+              <a:rPr lang="en-US" sz="1600" dirty="0" smtClean="0"/>
+              <a:t>Policy Public Key</a:t>
+            </a:r>
+            <a:endParaRPr lang="en-US" sz="1600" dirty="0"/>
+          </a:p>
+        </p:txBody>
+      </p:sp>
+      <p:sp>
+        <p:nvSpPr>
+          <p:cNvPr id="30" name="Rectangle 7"/>
+          <p:cNvSpPr>
+            <a:spLocks noChangeArrowheads="1"/>
+          </p:cNvSpPr>
+          <p:nvPr/>
+        </p:nvSpPr>
+        <p:spPr bwMode="auto">
+          <a:xfrm>
+            <a:off x="5562600" y="1752600"/>
+            <a:ext cx="2057400" cy="990600"/>
+          </a:xfrm>
+          <a:prstGeom prst="rect">
+            <a:avLst/>
+          </a:prstGeom>
+          <a:noFill/>
+          <a:ln w="25400" algn="ctr">
+            <a:solidFill>
+              <a:schemeClr val="tx2">
+                <a:lumMod val="75000"/>
+              </a:schemeClr>
+            </a:solidFill>
+            <a:round/>
+            <a:headEnd/>
+            <a:tailEnd/>
+          </a:ln>
+        </p:spPr>
+        <p:txBody>
+          <a:bodyPr/>
+          <a:lstStyle/>
+          <a:p>
+            <a:pPr>
+              <a:lnSpc>
+                <a:spcPct val="90000"/>
+              </a:lnSpc>
+              <a:spcBef>
+                <a:spcPct val="20000"/>
+              </a:spcBef>
+              <a:buClr>
+                <a:schemeClr val="bg1"/>
+              </a:buClr>
+            </a:pPr>
+            <a:endParaRPr lang="en-US"/>
+          </a:p>
+        </p:txBody>
+      </p:sp>
+      <p:sp>
+        <p:nvSpPr>
+          <p:cNvPr id="35" name="TextBox 63"/>
+          <p:cNvSpPr txBox="1">
+            <a:spLocks noChangeArrowheads="1"/>
+          </p:cNvSpPr>
+          <p:nvPr/>
+        </p:nvSpPr>
+        <p:spPr bwMode="auto">
+          <a:xfrm>
+            <a:off x="4800600" y="4629090"/>
+            <a:ext cx="838200" cy="400110"/>
+          </a:xfrm>
+          <a:prstGeom prst="rect">
+            <a:avLst/>
+          </a:prstGeom>
+          <a:noFill/>
+          <a:ln w="9525">
+            <a:noFill/>
+            <a:miter lim="800000"/>
+            <a:headEnd/>
+            <a:tailEnd/>
+          </a:ln>
+        </p:spPr>
+        <p:txBody>
+          <a:bodyPr wrap="square">
+            <a:spAutoFit/>
+          </a:bodyPr>
+          <a:lstStyle/>
+          <a:p>
+            <a:r>
+              <a:rPr lang="en-US" sz="2000" b="1" dirty="0" smtClean="0">
+                <a:solidFill>
+                  <a:srgbClr val="FF0000"/>
+                </a:solidFill>
+              </a:rPr>
+              <a:t>KVM</a:t>
+            </a:r>
+            <a:endParaRPr lang="en-US" sz="2000" b="1" dirty="0">
+              <a:solidFill>
+                <a:srgbClr val="FF0000"/>
+              </a:solidFill>
+            </a:endParaRPr>
+          </a:p>
+        </p:txBody>
+      </p:sp>
+      <p:cxnSp>
+        <p:nvCxnSpPr>
+          <p:cNvPr id="37" name="Straight Connector 36"/>
+          <p:cNvCxnSpPr/>
+          <p:nvPr/>
+        </p:nvCxnSpPr>
+        <p:spPr>
+          <a:xfrm rot="5400000">
+            <a:off x="4001294" y="4761706"/>
+            <a:ext cx="1295400" cy="1588"/>
+          </a:xfrm>
+          <a:prstGeom prst="line">
+            <a:avLst/>
+          </a:prstGeom>
+          <a:ln>
+            <a:solidFill>
+              <a:srgbClr val="FF0000"/>
+            </a:solidFill>
+          </a:ln>
+        </p:spPr>
+        <p:style>
+          <a:lnRef idx="2">
+            <a:schemeClr val="accent1"/>
+          </a:lnRef>
+          <a:fillRef idx="0">
+            <a:schemeClr val="accent1"/>
+          </a:fillRef>
+          <a:effectRef idx="1">
+            <a:schemeClr val="accent1"/>
+          </a:effectRef>
+          <a:fontRef idx="minor">
+            <a:schemeClr val="tx1"/>
+          </a:fontRef>
+        </p:style>
+      </p:cxnSp>
+      <p:sp>
+        <p:nvSpPr>
+          <p:cNvPr id="38" name="Rectangle 7"/>
+          <p:cNvSpPr>
+            <a:spLocks noChangeArrowheads="1"/>
+          </p:cNvSpPr>
+          <p:nvPr/>
+        </p:nvSpPr>
+        <p:spPr bwMode="auto">
+          <a:xfrm>
+            <a:off x="5562600" y="2895600"/>
+            <a:ext cx="1905000" cy="914400"/>
+          </a:xfrm>
+          <a:prstGeom prst="rect">
+            <a:avLst/>
+          </a:prstGeom>
+          <a:noFill/>
+          <a:ln w="25400" algn="ctr">
+            <a:solidFill>
+              <a:schemeClr val="tx2">
+                <a:lumMod val="75000"/>
+              </a:schemeClr>
+            </a:solidFill>
+            <a:round/>
+            <a:headEnd/>
+            <a:tailEnd/>
+          </a:ln>
+        </p:spPr>
+        <p:txBody>
+          <a:bodyPr/>
+          <a:lstStyle/>
+          <a:p>
+            <a:pPr>
+              <a:lnSpc>
+                <a:spcPct val="90000"/>
+              </a:lnSpc>
+              <a:spcBef>
+                <a:spcPct val="20000"/>
+              </a:spcBef>
+              <a:buClr>
+                <a:schemeClr val="bg1"/>
+              </a:buClr>
+            </a:pPr>
+            <a:endParaRPr lang="en-US"/>
+          </a:p>
+        </p:txBody>
+      </p:sp>
+      <p:sp>
+        <p:nvSpPr>
+          <p:cNvPr id="39" name="TextBox 63"/>
+          <p:cNvSpPr txBox="1">
+            <a:spLocks noChangeArrowheads="1"/>
+          </p:cNvSpPr>
+          <p:nvPr/>
+        </p:nvSpPr>
+        <p:spPr bwMode="auto">
+          <a:xfrm>
+            <a:off x="5562600" y="2902803"/>
+            <a:ext cx="1905000" cy="830997"/>
+          </a:xfrm>
+          <a:prstGeom prst="rect">
+            <a:avLst/>
+          </a:prstGeom>
+          <a:noFill/>
+          <a:ln w="9525">
+            <a:noFill/>
+            <a:miter lim="800000"/>
+            <a:headEnd/>
+            <a:tailEnd/>
+          </a:ln>
+        </p:spPr>
+        <p:txBody>
+          <a:bodyPr wrap="square">
+            <a:spAutoFit/>
+          </a:bodyPr>
+          <a:lstStyle/>
+          <a:p>
+            <a:r>
+              <a:rPr lang="en-US" sz="1600" dirty="0" err="1" smtClean="0">
+                <a:solidFill>
+                  <a:srgbClr val="FF0000"/>
+                </a:solidFill>
+              </a:rPr>
+              <a:t>tcGuestIoDD.ko</a:t>
+            </a:r>
+            <a:endParaRPr lang="en-US" sz="1600" dirty="0" smtClean="0"/>
+          </a:p>
+          <a:p>
+            <a:r>
+              <a:rPr lang="en-US" sz="1600" dirty="0" smtClean="0"/>
+              <a:t>Tao </a:t>
+            </a:r>
+            <a:r>
+              <a:rPr lang="en-US" sz="1600" dirty="0" smtClean="0"/>
+              <a:t>(for OS</a:t>
+            </a:r>
+            <a:r>
+              <a:rPr lang="en-US" sz="1600" dirty="0" smtClean="0"/>
+              <a:t>)</a:t>
+            </a:r>
+          </a:p>
+          <a:p>
+            <a:r>
+              <a:rPr lang="en-US" sz="1600" dirty="0" smtClean="0"/>
+              <a:t>Policy Public Key</a:t>
+            </a:r>
+            <a:endParaRPr lang="en-US" sz="1600" dirty="0"/>
+          </a:p>
+        </p:txBody>
+      </p:sp>
+      <p:cxnSp>
+        <p:nvCxnSpPr>
+          <p:cNvPr id="40" name="Straight Connector 39"/>
+          <p:cNvCxnSpPr/>
+          <p:nvPr/>
+        </p:nvCxnSpPr>
+        <p:spPr bwMode="auto">
+          <a:xfrm rot="5400000">
+            <a:off x="1529302" y="5555710"/>
+            <a:ext cx="292608" cy="1588"/>
+          </a:xfrm>
+          <a:prstGeom prst="line">
+            <a:avLst/>
+          </a:prstGeom>
+          <a:ln w="19050">
+            <a:solidFill>
+              <a:srgbClr val="0000FF"/>
+            </a:solidFill>
+            <a:headEnd type="none" w="med" len="med"/>
+            <a:tailEnd type="none" w="med" len="med"/>
+          </a:ln>
+        </p:spPr>
+        <p:style>
+          <a:lnRef idx="1">
+            <a:schemeClr val="dk1"/>
+          </a:lnRef>
+          <a:fillRef idx="0">
+            <a:schemeClr val="dk1"/>
+          </a:fillRef>
+          <a:effectRef idx="0">
+            <a:schemeClr val="dk1"/>
+          </a:effectRef>
+          <a:fontRef idx="minor">
+            <a:schemeClr val="tx1"/>
+          </a:fontRef>
+        </p:style>
+      </p:cxnSp>
+      <p:sp>
+        <p:nvSpPr>
+          <p:cNvPr id="41" name="Rectangle 7"/>
+          <p:cNvSpPr>
+            <a:spLocks noChangeArrowheads="1"/>
+          </p:cNvSpPr>
+          <p:nvPr/>
+        </p:nvSpPr>
+        <p:spPr bwMode="auto">
+          <a:xfrm>
+            <a:off x="685800" y="4114800"/>
+            <a:ext cx="1600200" cy="914400"/>
+          </a:xfrm>
+          <a:prstGeom prst="rect">
+            <a:avLst/>
+          </a:prstGeom>
+          <a:noFill/>
+          <a:ln w="25400" algn="ctr">
+            <a:solidFill>
+              <a:schemeClr val="tx2">
+                <a:lumMod val="75000"/>
+              </a:schemeClr>
+            </a:solidFill>
+            <a:round/>
+            <a:headEnd/>
+            <a:tailEnd/>
+          </a:ln>
+        </p:spPr>
+        <p:txBody>
+          <a:bodyPr/>
+          <a:lstStyle/>
+          <a:p>
+            <a:pPr>
+              <a:lnSpc>
+                <a:spcPct val="90000"/>
+              </a:lnSpc>
+              <a:spcBef>
+                <a:spcPct val="20000"/>
+              </a:spcBef>
+              <a:buClr>
+                <a:schemeClr val="bg1"/>
+              </a:buClr>
+            </a:pPr>
+            <a:endParaRPr lang="en-US"/>
+          </a:p>
+        </p:txBody>
+      </p:sp>
+      <p:sp>
+        <p:nvSpPr>
+          <p:cNvPr id="42" name="TextBox 63"/>
+          <p:cNvSpPr txBox="1">
+            <a:spLocks noChangeArrowheads="1"/>
+          </p:cNvSpPr>
+          <p:nvPr/>
+        </p:nvSpPr>
+        <p:spPr bwMode="auto">
+          <a:xfrm>
+            <a:off x="609600" y="4122003"/>
+            <a:ext cx="1676400" cy="830997"/>
+          </a:xfrm>
+          <a:prstGeom prst="rect">
+            <a:avLst/>
+          </a:prstGeom>
+          <a:noFill/>
+          <a:ln w="9525">
+            <a:noFill/>
+            <a:miter lim="800000"/>
+            <a:headEnd/>
+            <a:tailEnd/>
+          </a:ln>
+        </p:spPr>
+        <p:txBody>
+          <a:bodyPr wrap="square">
+            <a:spAutoFit/>
+          </a:bodyPr>
+          <a:lstStyle/>
+          <a:p>
+            <a:r>
+              <a:rPr lang="en-US" sz="1600" dirty="0" err="1" smtClean="0">
+                <a:solidFill>
+                  <a:srgbClr val="FF0000"/>
+                </a:solidFill>
+              </a:rPr>
+              <a:t>tcHvIoDD.ko</a:t>
+            </a:r>
+            <a:endParaRPr lang="en-US" sz="1600" dirty="0" smtClean="0"/>
+          </a:p>
+          <a:p>
+            <a:r>
+              <a:rPr lang="en-US" sz="1600" dirty="0" smtClean="0"/>
+              <a:t>Tao </a:t>
+            </a:r>
+            <a:r>
+              <a:rPr lang="en-US" sz="1600" dirty="0" smtClean="0"/>
+              <a:t>(for OS</a:t>
+            </a:r>
+            <a:r>
+              <a:rPr lang="en-US" sz="1600" dirty="0" smtClean="0"/>
+              <a:t>)</a:t>
+            </a:r>
+          </a:p>
+          <a:p>
+            <a:r>
+              <a:rPr lang="en-US" sz="1600" dirty="0" smtClean="0"/>
+              <a:t>Policy Public Key</a:t>
+            </a:r>
+            <a:endParaRPr lang="en-US" sz="1600" dirty="0"/>
+          </a:p>
+        </p:txBody>
+      </p:sp>
+      <p:cxnSp>
+        <p:nvCxnSpPr>
+          <p:cNvPr id="47" name="Straight Connector 46"/>
+          <p:cNvCxnSpPr/>
+          <p:nvPr/>
+        </p:nvCxnSpPr>
+        <p:spPr bwMode="auto">
+          <a:xfrm rot="5400000">
+            <a:off x="6634701" y="4793710"/>
+            <a:ext cx="292608" cy="1588"/>
+          </a:xfrm>
+          <a:prstGeom prst="line">
+            <a:avLst/>
+          </a:prstGeom>
+          <a:ln w="19050">
+            <a:solidFill>
+              <a:srgbClr val="0000FF"/>
+            </a:solidFill>
+            <a:headEnd type="none" w="med" len="med"/>
+            <a:tailEnd type="none" w="med" len="med"/>
+          </a:ln>
+        </p:spPr>
+        <p:style>
+          <a:lnRef idx="1">
+            <a:schemeClr val="dk1"/>
+          </a:lnRef>
+          <a:fillRef idx="0">
+            <a:schemeClr val="dk1"/>
+          </a:fillRef>
+          <a:effectRef idx="0">
+            <a:schemeClr val="dk1"/>
+          </a:effectRef>
+          <a:fontRef idx="minor">
+            <a:schemeClr val="tx1"/>
+          </a:fontRef>
+        </p:style>
+      </p:cxnSp>
+      <p:sp>
+        <p:nvSpPr>
+          <p:cNvPr id="48" name="Rectangle 7"/>
+          <p:cNvSpPr>
+            <a:spLocks noChangeArrowheads="1"/>
+          </p:cNvSpPr>
+          <p:nvPr/>
+        </p:nvSpPr>
+        <p:spPr bwMode="auto">
+          <a:xfrm>
+            <a:off x="5943600" y="4114800"/>
+            <a:ext cx="1600200" cy="914400"/>
+          </a:xfrm>
+          <a:prstGeom prst="rect">
+            <a:avLst/>
+          </a:prstGeom>
+          <a:noFill/>
+          <a:ln w="25400" algn="ctr">
+            <a:solidFill>
+              <a:schemeClr val="tx2">
+                <a:lumMod val="75000"/>
+              </a:schemeClr>
+            </a:solidFill>
+            <a:round/>
+            <a:headEnd/>
+            <a:tailEnd/>
+          </a:ln>
+        </p:spPr>
+        <p:txBody>
+          <a:bodyPr/>
+          <a:lstStyle/>
+          <a:p>
+            <a:pPr>
+              <a:lnSpc>
+                <a:spcPct val="90000"/>
+              </a:lnSpc>
+              <a:spcBef>
+                <a:spcPct val="20000"/>
+              </a:spcBef>
+              <a:buClr>
+                <a:schemeClr val="bg1"/>
+              </a:buClr>
+            </a:pPr>
+            <a:endParaRPr lang="en-US"/>
+          </a:p>
+        </p:txBody>
+      </p:sp>
+      <p:sp>
+        <p:nvSpPr>
+          <p:cNvPr id="49" name="TextBox 63"/>
+          <p:cNvSpPr txBox="1">
+            <a:spLocks noChangeArrowheads="1"/>
+          </p:cNvSpPr>
+          <p:nvPr/>
+        </p:nvSpPr>
+        <p:spPr bwMode="auto">
+          <a:xfrm>
+            <a:off x="5867400" y="4122003"/>
+            <a:ext cx="1676400" cy="830997"/>
+          </a:xfrm>
+          <a:prstGeom prst="rect">
+            <a:avLst/>
+          </a:prstGeom>
+          <a:noFill/>
+          <a:ln w="9525">
+            <a:noFill/>
+            <a:miter lim="800000"/>
+            <a:headEnd/>
+            <a:tailEnd/>
+          </a:ln>
+        </p:spPr>
+        <p:txBody>
+          <a:bodyPr wrap="square">
+            <a:spAutoFit/>
+          </a:bodyPr>
+          <a:lstStyle/>
+          <a:p>
+            <a:r>
+              <a:rPr lang="en-US" sz="1600" dirty="0" err="1" smtClean="0">
+                <a:solidFill>
+                  <a:srgbClr val="FF0000"/>
+                </a:solidFill>
+              </a:rPr>
+              <a:t>tcHostIoDD.ko</a:t>
+            </a:r>
+            <a:endParaRPr lang="en-US" sz="1600" dirty="0" smtClean="0"/>
+          </a:p>
+          <a:p>
+            <a:r>
+              <a:rPr lang="en-US" sz="1600" dirty="0" smtClean="0"/>
+              <a:t>Tao </a:t>
+            </a:r>
+            <a:r>
+              <a:rPr lang="en-US" sz="1600" dirty="0" smtClean="0"/>
+              <a:t>(for OS</a:t>
+            </a:r>
+            <a:r>
+              <a:rPr lang="en-US" sz="1600" dirty="0" smtClean="0"/>
+              <a:t>)</a:t>
+            </a:r>
+          </a:p>
+          <a:p>
+            <a:r>
+              <a:rPr lang="en-US" sz="1600" dirty="0" smtClean="0"/>
+              <a:t>Policy Public Key</a:t>
+            </a:r>
+            <a:endParaRPr lang="en-US" sz="1600" dirty="0"/>
+          </a:p>
+        </p:txBody>
+      </p:sp>
+      <p:cxnSp>
+        <p:nvCxnSpPr>
+          <p:cNvPr id="52" name="Straight Connector 51"/>
+          <p:cNvCxnSpPr>
+            <a:stCxn id="41" idx="3"/>
+            <a:endCxn id="48" idx="1"/>
+          </p:cNvCxnSpPr>
+          <p:nvPr/>
+        </p:nvCxnSpPr>
+        <p:spPr>
+          <a:xfrm>
+            <a:off x="2286000" y="4572000"/>
+            <a:ext cx="3657600" cy="1588"/>
+          </a:xfrm>
+          <a:prstGeom prst="line">
+            <a:avLst/>
+          </a:prstGeom>
+          <a:ln>
+            <a:solidFill>
+              <a:schemeClr val="accent5">
+                <a:lumMod val="75000"/>
+              </a:schemeClr>
+            </a:solidFill>
+            <a:headEnd type="arrow"/>
+            <a:tailEnd type="arrow"/>
+          </a:ln>
+        </p:spPr>
+        <p:style>
+          <a:lnRef idx="2">
+            <a:schemeClr val="accent1"/>
+          </a:lnRef>
+          <a:fillRef idx="0">
+            <a:schemeClr val="accent1"/>
+          </a:fillRef>
+          <a:effectRef idx="1">
+            <a:schemeClr val="accent1"/>
+          </a:effectRef>
+          <a:fontRef idx="minor">
+            <a:schemeClr val="tx1"/>
+          </a:fontRef>
+        </p:style>
+      </p:cxnSp>
+    </p:spTree>
+    <p:extLst>
+      <p:ext uri="{BB962C8B-B14F-4D97-AF65-F5344CB8AC3E}">
+        <p14:creationId xmlns="" xmlns:a="http://schemas.openxmlformats.org/drawingml/2006/main" xmlns:r="http://schemas.openxmlformats.org/officeDocument/2006/relationships" xmlns:p="http://schemas.openxmlformats.org/presentationml/2006/main" xmlns:p14="http://schemas.microsoft.com/office/powerpoint/2010/main" xmlns:mv="urn:schemas-microsoft-com:mac:vml" xmlns:mc="http://schemas.openxmlformats.org/markup-compatibility/2006" val="3115145481"/>
+      </p:ext>
+    </p:extLst>
+  </p:cSld>
+  <p:clrMapOvr>
+    <a:masterClrMapping/>
+  </p:clrMapOvr>
+  <p:transition advClick="0"/>
   <p:timing>
     <p:tnLst>
       <p:par>

--- a/Doc/Hypervisor.pptx
+++ b/Doc/Hypervisor.pptx
@@ -5,17 +5,16 @@
     <p:sldMasterId id="2147483648" r:id="rId4"/>
   </p:sldMasterIdLst>
   <p:notesMasterIdLst>
-    <p:notesMasterId r:id="rId10"/>
+    <p:notesMasterId r:id="rId9"/>
   </p:notesMasterIdLst>
   <p:handoutMasterIdLst>
-    <p:handoutMasterId r:id="rId11"/>
+    <p:handoutMasterId r:id="rId10"/>
   </p:handoutMasterIdLst>
   <p:sldIdLst>
     <p:sldId id="843" r:id="rId5"/>
     <p:sldId id="826" r:id="rId6"/>
     <p:sldId id="844" r:id="rId7"/>
     <p:sldId id="845" r:id="rId8"/>
-    <p:sldId id="846" r:id="rId9"/>
   </p:sldIdLst>
   <p:sldSz cx="9144000" cy="6858000" type="screen4x3"/>
   <p:notesSz cx="6858000" cy="9144000"/>
@@ -208,7 +207,7 @@
             <a:fld id="{E0EBE68B-C5D1-4AEF-ABE6-2E382B6B8028}" type="datetimeFigureOut">
               <a:rPr lang="en-US" smtClean="0"/>
               <a:pPr/>
-              <a:t>8/29/13</a:t>
+              <a:t>8/31/13</a:t>
             </a:fld>
             <a:endParaRPr lang="en-US"/>
           </a:p>
@@ -284,7 +283,7 @@
     </p:spTree>
     <p:extLst>
       <p:ext uri="{BB962C8B-B14F-4D97-AF65-F5344CB8AC3E}">
-        <p14:creationId xmlns="" xmlns:a="http://schemas.openxmlformats.org/drawingml/2006/main" xmlns:r="http://schemas.openxmlformats.org/officeDocument/2006/relationships" xmlns:p="http://schemas.openxmlformats.org/presentationml/2006/main" xmlns:p14="http://schemas.microsoft.com/office/powerpoint/2010/main" xmlns:mv="urn:schemas-microsoft-com:mac:vml" xmlns:mc="http://schemas.openxmlformats.org/markup-compatibility/2006" val="179765844"/>
+        <p14:creationId xmlns:mc="http://schemas.openxmlformats.org/markup-compatibility/2006" xmlns:mv="urn:schemas-microsoft-com:mac:vml" xmlns:p14="http://schemas.microsoft.com/office/powerpoint/2010/main" xmlns:p="http://schemas.openxmlformats.org/presentationml/2006/main" xmlns:r="http://schemas.openxmlformats.org/officeDocument/2006/relationships" xmlns:a="http://schemas.openxmlformats.org/drawingml/2006/main" xmlns="" val="179765844"/>
       </p:ext>
     </p:extLst>
   </p:cSld>
@@ -376,7 +375,7 @@
             <a:fld id="{C4A7A8CC-7372-45F7-81DB-D555F5C65FA2}" type="datetimeFigureOut">
               <a:rPr lang="en-US" smtClean="0"/>
               <a:pPr/>
-              <a:t>8/29/13</a:t>
+              <a:t>8/31/13</a:t>
             </a:fld>
             <a:endParaRPr lang="en-US"/>
           </a:p>
@@ -547,7 +546,7 @@
     </p:spTree>
     <p:extLst>
       <p:ext uri="{BB962C8B-B14F-4D97-AF65-F5344CB8AC3E}">
-        <p14:creationId xmlns="" xmlns:a="http://schemas.openxmlformats.org/drawingml/2006/main" xmlns:r="http://schemas.openxmlformats.org/officeDocument/2006/relationships" xmlns:p="http://schemas.openxmlformats.org/presentationml/2006/main" xmlns:p14="http://schemas.microsoft.com/office/powerpoint/2010/main" xmlns:mv="urn:schemas-microsoft-com:mac:vml" xmlns:mc="http://schemas.openxmlformats.org/markup-compatibility/2006" val="2478377920"/>
+        <p14:creationId xmlns:mc="http://schemas.openxmlformats.org/markup-compatibility/2006" xmlns:mv="urn:schemas-microsoft-com:mac:vml" xmlns:p14="http://schemas.microsoft.com/office/powerpoint/2010/main" xmlns:p="http://schemas.openxmlformats.org/presentationml/2006/main" xmlns:r="http://schemas.openxmlformats.org/officeDocument/2006/relationships" xmlns:a="http://schemas.openxmlformats.org/drawingml/2006/main" xmlns="" val="2478377920"/>
       </p:ext>
     </p:extLst>
   </p:cSld>
@@ -995,95 +994,6 @@
 </p:notes>
 </file>
 
-<file path=ppt/notesSlides/notesSlide5.xml><?xml version="1.0" encoding="utf-8"?>
-<p:notes xmlns:a="http://schemas.openxmlformats.org/drawingml/2006/main" xmlns:r="http://schemas.openxmlformats.org/officeDocument/2006/relationships" xmlns:mc="http://schemas.openxmlformats.org/markup-compatibility/2006" xmlns:mv="urn:schemas-microsoft-com:mac:vml" xmlns:p="http://schemas.openxmlformats.org/presentationml/2006/main" mc:Ignorable="mv" mc:PreserveAttributes="mv:*">
-  <p:cSld>
-    <p:spTree>
-      <p:nvGrpSpPr>
-        <p:cNvPr id="1" name=""/>
-        <p:cNvGrpSpPr/>
-        <p:nvPr/>
-      </p:nvGrpSpPr>
-      <p:grpSpPr>
-        <a:xfrm>
-          <a:off x="0" y="0"/>
-          <a:ext cx="0" cy="0"/>
-          <a:chOff x="0" y="0"/>
-          <a:chExt cx="0" cy="0"/>
-        </a:xfrm>
-      </p:grpSpPr>
-      <p:sp>
-        <p:nvSpPr>
-          <p:cNvPr id="75778" name="Slide Image Placeholder 1"/>
-          <p:cNvSpPr>
-            <a:spLocks noGrp="1" noRot="1" noChangeAspect="1" noTextEdit="1"/>
-          </p:cNvSpPr>
-          <p:nvPr>
-            <p:ph type="sldImg"/>
-          </p:nvPr>
-        </p:nvSpPr>
-        <p:spPr>
-          <a:ln/>
-        </p:spPr>
-      </p:sp>
-      <p:sp>
-        <p:nvSpPr>
-          <p:cNvPr id="75779" name="Notes Placeholder 2"/>
-          <p:cNvSpPr>
-            <a:spLocks noGrp="1"/>
-          </p:cNvSpPr>
-          <p:nvPr>
-            <p:ph type="body" idx="1"/>
-          </p:nvPr>
-        </p:nvSpPr>
-        <p:spPr>
-          <a:noFill/>
-          <a:ln/>
-        </p:spPr>
-        <p:txBody>
-          <a:bodyPr/>
-          <a:lstStyle/>
-          <a:p>
-            <a:endParaRPr lang="en-US" smtClean="0">
-              <a:latin typeface="Arial" pitchFamily="34" charset="0"/>
-            </a:endParaRPr>
-          </a:p>
-        </p:txBody>
-      </p:sp>
-      <p:sp>
-        <p:nvSpPr>
-          <p:cNvPr id="75780" name="Slide Number Placeholder 3"/>
-          <p:cNvSpPr>
-            <a:spLocks noGrp="1"/>
-          </p:cNvSpPr>
-          <p:nvPr>
-            <p:ph type="sldNum" sz="quarter" idx="5"/>
-          </p:nvPr>
-        </p:nvSpPr>
-        <p:spPr>
-          <a:noFill/>
-        </p:spPr>
-        <p:txBody>
-          <a:bodyPr/>
-          <a:lstStyle/>
-          <a:p>
-            <a:fld id="{6FEFB512-6717-450F-99BD-C4ACB0BCC525}" type="slidenum">
-              <a:rPr lang="en-US"/>
-              <a:pPr/>
-              <a:t>5</a:t>
-            </a:fld>
-            <a:endParaRPr lang="en-US"/>
-          </a:p>
-        </p:txBody>
-      </p:sp>
-    </p:spTree>
-  </p:cSld>
-  <p:clrMapOvr>
-    <a:masterClrMapping/>
-  </p:clrMapOvr>
-</p:notes>
-</file>
-
 <file path=ppt/slideLayouts/slideLayout1.xml><?xml version="1.0" encoding="utf-8"?>
 <p:sldLayout xmlns:a="http://schemas.openxmlformats.org/drawingml/2006/main" xmlns:r="http://schemas.openxmlformats.org/officeDocument/2006/relationships" xmlns:mc="http://schemas.openxmlformats.org/markup-compatibility/2006" xmlns:mv="urn:schemas-microsoft-com:mac:vml" xmlns:p="http://schemas.openxmlformats.org/presentationml/2006/main" mc:Ignorable="mv" mc:PreserveAttributes="mv:*" type="title" preserve="1">
   <p:cSld name="Title Slide">
@@ -1266,7 +1176,7 @@
             <a:fld id="{3F9A5CCD-BD94-7446-AF68-FA1C96765699}" type="datetime1">
               <a:rPr lang="en-US" smtClean="0"/>
               <a:pPr/>
-              <a:t>8/29/13</a:t>
+              <a:t>8/31/13</a:t>
             </a:fld>
             <a:endParaRPr lang="en-US"/>
           </a:p>
@@ -1414,7 +1324,7 @@
             <a:fld id="{F673A786-9767-FE49-9993-F6A312CB6A25}" type="datetime1">
               <a:rPr lang="en-US" smtClean="0"/>
               <a:pPr/>
-              <a:t>8/29/13</a:t>
+              <a:t>8/31/13</a:t>
             </a:fld>
             <a:endParaRPr lang="en-US"/>
           </a:p>
@@ -1591,7 +1501,7 @@
             <a:fld id="{FB3A69AC-16F0-A149-9966-57CD8630D3A8}" type="datetime1">
               <a:rPr lang="en-US" smtClean="0"/>
               <a:pPr/>
-              <a:t>8/29/13</a:t>
+              <a:t>8/31/13</a:t>
             </a:fld>
             <a:endParaRPr lang="en-US"/>
           </a:p>
@@ -1758,7 +1668,7 @@
             <a:fld id="{4637C8A4-36FA-0B47-80C8-A643D538DC16}" type="datetime1">
               <a:rPr lang="en-US" smtClean="0"/>
               <a:pPr/>
-              <a:t>8/29/13</a:t>
+              <a:t>8/31/13</a:t>
             </a:fld>
             <a:endParaRPr lang="en-US"/>
           </a:p>
@@ -1982,7 +1892,7 @@
             <a:fld id="{E5C27FD5-BFAF-D349-9BE2-B81482BC39CD}" type="datetime1">
               <a:rPr lang="en-US" smtClean="0"/>
               <a:pPr/>
-              <a:t>8/29/13</a:t>
+              <a:t>8/31/13</a:t>
             </a:fld>
             <a:endParaRPr lang="en-US"/>
           </a:p>
@@ -2267,7 +2177,7 @@
             <a:fld id="{D1FA60F8-C20B-2948-85A4-F1FE3710B60E}" type="datetime1">
               <a:rPr lang="en-US" smtClean="0"/>
               <a:pPr/>
-              <a:t>8/29/13</a:t>
+              <a:t>8/31/13</a:t>
             </a:fld>
             <a:endParaRPr lang="en-US"/>
           </a:p>
@@ -2686,7 +2596,7 @@
             <a:fld id="{E3BF1BCF-DCBA-2C4C-B9F0-29E1B0430F96}" type="datetime1">
               <a:rPr lang="en-US" smtClean="0"/>
               <a:pPr/>
-              <a:t>8/29/13</a:t>
+              <a:t>8/31/13</a:t>
             </a:fld>
             <a:endParaRPr lang="en-US"/>
           </a:p>
@@ -2801,7 +2711,7 @@
             <a:fld id="{00565104-BF06-6F4F-BD51-0FDEFDC5410E}" type="datetime1">
               <a:rPr lang="en-US" smtClean="0"/>
               <a:pPr/>
-              <a:t>8/29/13</a:t>
+              <a:t>8/31/13</a:t>
             </a:fld>
             <a:endParaRPr lang="en-US"/>
           </a:p>
@@ -2893,7 +2803,7 @@
             <a:fld id="{15B764B1-84D4-E74A-8E7D-91E7A6978174}" type="datetime1">
               <a:rPr lang="en-US" smtClean="0"/>
               <a:pPr/>
-              <a:t>8/29/13</a:t>
+              <a:t>8/31/13</a:t>
             </a:fld>
             <a:endParaRPr lang="en-US"/>
           </a:p>
@@ -3167,7 +3077,7 @@
             <a:fld id="{B59F0B7B-869B-3E4D-87AD-433CC8C1B8E8}" type="datetime1">
               <a:rPr lang="en-US" smtClean="0"/>
               <a:pPr/>
-              <a:t>8/29/13</a:t>
+              <a:t>8/31/13</a:t>
             </a:fld>
             <a:endParaRPr lang="en-US"/>
           </a:p>
@@ -3417,7 +3327,7 @@
             <a:fld id="{DABAEF2E-190C-574F-A31A-65B51332CC22}" type="datetime1">
               <a:rPr lang="en-US" smtClean="0"/>
               <a:pPr/>
-              <a:t>8/29/13</a:t>
+              <a:t>8/31/13</a:t>
             </a:fld>
             <a:endParaRPr lang="en-US"/>
           </a:p>
@@ -3627,7 +3537,7 @@
             <a:fld id="{1FC80C17-44DD-FC4B-9DA6-74B126DD86BC}" type="datetime1">
               <a:rPr lang="en-US" smtClean="0"/>
               <a:pPr/>
-              <a:t>8/29/13</a:t>
+              <a:t>8/31/13</a:t>
             </a:fld>
             <a:endParaRPr lang="en-US"/>
           </a:p>
@@ -5295,7 +5205,7 @@
     </p:spTree>
     <p:extLst>
       <p:ext uri="{BB962C8B-B14F-4D97-AF65-F5344CB8AC3E}">
-        <p14:creationId xmlns="" xmlns:a="http://schemas.openxmlformats.org/drawingml/2006/main" xmlns:r="http://schemas.openxmlformats.org/officeDocument/2006/relationships" xmlns:p="http://schemas.openxmlformats.org/presentationml/2006/main" xmlns:p14="http://schemas.microsoft.com/office/powerpoint/2010/main" xmlns:mv="urn:schemas-microsoft-com:mac:vml" xmlns:mc="http://schemas.openxmlformats.org/markup-compatibility/2006" val="3115145481"/>
+        <p14:creationId xmlns:mc="http://schemas.openxmlformats.org/markup-compatibility/2006" xmlns:mv="urn:schemas-microsoft-com:mac:vml" xmlns:p14="http://schemas.microsoft.com/office/powerpoint/2010/main" xmlns:p="http://schemas.openxmlformats.org/presentationml/2006/main" xmlns:r="http://schemas.openxmlformats.org/officeDocument/2006/relationships" xmlns:a="http://schemas.openxmlformats.org/drawingml/2006/main" xmlns="" val="3115145481"/>
       </p:ext>
     </p:extLst>
   </p:cSld>
@@ -5466,7 +5376,7 @@
             <a:fld id="{8F0B52C1-8243-BD4D-9D79-7319795557F5}" type="datetime1">
               <a:rPr lang="en-US" smtClean="0"/>
               <a:pPr/>
-              <a:t>8/29/13</a:t>
+              <a:t>8/31/13</a:t>
             </a:fld>
             <a:endParaRPr lang="en-US"/>
           </a:p>
@@ -5475,7 +5385,7 @@
     </p:spTree>
     <p:extLst>
       <p:ext uri="{BB962C8B-B14F-4D97-AF65-F5344CB8AC3E}">
-        <p14:creationId xmlns="" xmlns:a="http://schemas.openxmlformats.org/drawingml/2006/main" xmlns:r="http://schemas.openxmlformats.org/officeDocument/2006/relationships" xmlns:p="http://schemas.openxmlformats.org/presentationml/2006/main" xmlns:p14="http://schemas.microsoft.com/office/powerpoint/2010/main" xmlns:mv="urn:schemas-microsoft-com:mac:vml" xmlns:mc="http://schemas.openxmlformats.org/markup-compatibility/2006" val="2688033827"/>
+        <p14:creationId xmlns:mc="http://schemas.openxmlformats.org/markup-compatibility/2006" xmlns:mv="urn:schemas-microsoft-com:mac:vml" xmlns:p14="http://schemas.microsoft.com/office/powerpoint/2010/main" xmlns:p="http://schemas.openxmlformats.org/presentationml/2006/main" xmlns:r="http://schemas.openxmlformats.org/officeDocument/2006/relationships" xmlns:a="http://schemas.openxmlformats.org/drawingml/2006/main" xmlns="" val="2688033827"/>
       </p:ext>
     </p:extLst>
   </p:cSld>
@@ -5683,7 +5593,7 @@
             <a:fld id="{8F0B52C1-8243-BD4D-9D79-7319795557F5}" type="datetime1">
               <a:rPr lang="en-US" smtClean="0"/>
               <a:pPr/>
-              <a:t>8/29/13</a:t>
+              <a:t>8/31/13</a:t>
             </a:fld>
             <a:endParaRPr lang="en-US"/>
           </a:p>
@@ -5692,7 +5602,7 @@
     </p:spTree>
     <p:extLst>
       <p:ext uri="{BB962C8B-B14F-4D97-AF65-F5344CB8AC3E}">
-        <p14:creationId xmlns="" xmlns:a="http://schemas.openxmlformats.org/drawingml/2006/main" xmlns:r="http://schemas.openxmlformats.org/officeDocument/2006/relationships" xmlns:p="http://schemas.openxmlformats.org/presentationml/2006/main" xmlns:p14="http://schemas.microsoft.com/office/powerpoint/2010/main" xmlns:mv="urn:schemas-microsoft-com:mac:vml" xmlns:mc="http://schemas.openxmlformats.org/markup-compatibility/2006" val="2688033827"/>
+        <p14:creationId xmlns:mc="http://schemas.openxmlformats.org/markup-compatibility/2006" xmlns:mv="urn:schemas-microsoft-com:mac:vml" xmlns:p14="http://schemas.microsoft.com/office/powerpoint/2010/main" xmlns:p="http://schemas.openxmlformats.org/presentationml/2006/main" xmlns:r="http://schemas.openxmlformats.org/officeDocument/2006/relationships" xmlns:a="http://schemas.openxmlformats.org/drawingml/2006/main" xmlns="" val="2688033827"/>
       </p:ext>
     </p:extLst>
   </p:cSld>
@@ -5875,7 +5785,7 @@
             <a:fld id="{8F0B52C1-8243-BD4D-9D79-7319795557F5}" type="datetime1">
               <a:rPr lang="en-US" smtClean="0"/>
               <a:pPr/>
-              <a:t>8/29/13</a:t>
+              <a:t>8/31/13</a:t>
             </a:fld>
             <a:endParaRPr lang="en-US"/>
           </a:p>
@@ -5884,1373 +5794,13 @@
     </p:spTree>
     <p:extLst>
       <p:ext uri="{BB962C8B-B14F-4D97-AF65-F5344CB8AC3E}">
-        <p14:creationId xmlns="" xmlns:a="http://schemas.openxmlformats.org/drawingml/2006/main" xmlns:r="http://schemas.openxmlformats.org/officeDocument/2006/relationships" xmlns:p="http://schemas.openxmlformats.org/presentationml/2006/main" xmlns:p14="http://schemas.microsoft.com/office/powerpoint/2010/main" xmlns:mv="urn:schemas-microsoft-com:mac:vml" xmlns:mc="http://schemas.openxmlformats.org/markup-compatibility/2006" val="2688033827"/>
+        <p14:creationId xmlns:mc="http://schemas.openxmlformats.org/markup-compatibility/2006" xmlns:mv="urn:schemas-microsoft-com:mac:vml" xmlns:p14="http://schemas.microsoft.com/office/powerpoint/2010/main" xmlns:p="http://schemas.openxmlformats.org/presentationml/2006/main" xmlns:r="http://schemas.openxmlformats.org/officeDocument/2006/relationships" xmlns:a="http://schemas.openxmlformats.org/drawingml/2006/main" xmlns="" val="2688033827"/>
       </p:ext>
     </p:extLst>
   </p:cSld>
   <p:clrMapOvr>
     <a:masterClrMapping/>
   </p:clrMapOvr>
-  <p:timing>
-    <p:tnLst>
-      <p:par>
-        <p:cTn id="1" dur="indefinite" restart="never" nodeType="tmRoot"/>
-      </p:par>
-    </p:tnLst>
-  </p:timing>
-</p:sld>
-</file>
-
-<file path=ppt/slides/slide5.xml><?xml version="1.0" encoding="utf-8"?>
-<p:sld xmlns:a="http://schemas.openxmlformats.org/drawingml/2006/main" xmlns:r="http://schemas.openxmlformats.org/officeDocument/2006/relationships" xmlns:mc="http://schemas.openxmlformats.org/markup-compatibility/2006" xmlns:mv="urn:schemas-microsoft-com:mac:vml" xmlns:p="http://schemas.openxmlformats.org/presentationml/2006/main" mc:Ignorable="mv" mc:PreserveAttributes="mv:*">
-  <p:cSld>
-    <p:spTree>
-      <p:nvGrpSpPr>
-        <p:cNvPr id="1" name=""/>
-        <p:cNvGrpSpPr/>
-        <p:nvPr/>
-      </p:nvGrpSpPr>
-      <p:grpSpPr>
-        <a:xfrm>
-          <a:off x="0" y="0"/>
-          <a:ext cx="0" cy="0"/>
-          <a:chOff x="0" y="0"/>
-          <a:chExt cx="0" cy="0"/>
-        </a:xfrm>
-      </p:grpSpPr>
-      <p:sp>
-        <p:nvSpPr>
-          <p:cNvPr id="2" name="Title 1"/>
-          <p:cNvSpPr>
-            <a:spLocks noGrp="1"/>
-          </p:cNvSpPr>
-          <p:nvPr>
-            <p:ph type="title"/>
-          </p:nvPr>
-        </p:nvSpPr>
-        <p:spPr>
-          <a:xfrm>
-            <a:off x="228600" y="0"/>
-            <a:ext cx="8382000" cy="762000"/>
-          </a:xfrm>
-        </p:spPr>
-        <p:txBody>
-          <a:bodyPr>
-            <a:normAutofit/>
-          </a:bodyPr>
-          <a:lstStyle/>
-          <a:p>
-            <a:pPr>
-              <a:defRPr/>
-            </a:pPr>
-            <a:r>
-              <a:rPr lang="en-US" sz="4000" dirty="0" smtClean="0">
-                <a:ea typeface="+mj-ea"/>
-              </a:rPr>
-              <a:t>KVM Hypervisor</a:t>
-            </a:r>
-            <a:endParaRPr lang="en-US" sz="4000" dirty="0">
-              <a:ea typeface="+mj-ea"/>
-            </a:endParaRPr>
-          </a:p>
-        </p:txBody>
-      </p:sp>
-      <p:sp>
-        <p:nvSpPr>
-          <p:cNvPr id="12295" name="Rectangle 7"/>
-          <p:cNvSpPr>
-            <a:spLocks noChangeArrowheads="1"/>
-          </p:cNvSpPr>
-          <p:nvPr/>
-        </p:nvSpPr>
-        <p:spPr bwMode="auto">
-          <a:xfrm>
-            <a:off x="304800" y="1143000"/>
-            <a:ext cx="7620000" cy="4343400"/>
-          </a:xfrm>
-          <a:prstGeom prst="rect">
-            <a:avLst/>
-          </a:prstGeom>
-          <a:noFill/>
-          <a:ln w="19050" algn="ctr">
-            <a:solidFill>
-              <a:schemeClr val="tx1"/>
-            </a:solidFill>
-            <a:round/>
-            <a:headEnd/>
-            <a:tailEnd/>
-          </a:ln>
-        </p:spPr>
-        <p:txBody>
-          <a:bodyPr/>
-          <a:lstStyle/>
-          <a:p>
-            <a:pPr>
-              <a:lnSpc>
-                <a:spcPct val="90000"/>
-              </a:lnSpc>
-              <a:spcBef>
-                <a:spcPct val="20000"/>
-              </a:spcBef>
-              <a:buClr>
-                <a:schemeClr val="bg1"/>
-              </a:buClr>
-            </a:pPr>
-            <a:endParaRPr lang="en-US"/>
-          </a:p>
-        </p:txBody>
-      </p:sp>
-      <p:sp>
-        <p:nvSpPr>
-          <p:cNvPr id="12324" name="Oval 64"/>
-          <p:cNvSpPr>
-            <a:spLocks noChangeArrowheads="1"/>
-          </p:cNvSpPr>
-          <p:nvPr/>
-        </p:nvSpPr>
-        <p:spPr bwMode="auto">
-          <a:xfrm>
-            <a:off x="1295400" y="5715000"/>
-            <a:ext cx="685800" cy="457200"/>
-          </a:xfrm>
-          <a:prstGeom prst="ellipse">
-            <a:avLst/>
-          </a:prstGeom>
-          <a:noFill/>
-          <a:ln w="19050" algn="ctr">
-            <a:solidFill>
-              <a:schemeClr val="tx1"/>
-            </a:solidFill>
-            <a:round/>
-            <a:headEnd/>
-            <a:tailEnd/>
-          </a:ln>
-        </p:spPr>
-        <p:txBody>
-          <a:bodyPr/>
-          <a:lstStyle/>
-          <a:p>
-            <a:pPr>
-              <a:lnSpc>
-                <a:spcPct val="90000"/>
-              </a:lnSpc>
-              <a:spcBef>
-                <a:spcPct val="20000"/>
-              </a:spcBef>
-              <a:buClr>
-                <a:schemeClr val="bg1"/>
-              </a:buClr>
-            </a:pPr>
-            <a:endParaRPr lang="en-US"/>
-          </a:p>
-        </p:txBody>
-      </p:sp>
-      <p:sp>
-        <p:nvSpPr>
-          <p:cNvPr id="12325" name="TextBox 65"/>
-          <p:cNvSpPr txBox="1">
-            <a:spLocks noChangeArrowheads="1"/>
-          </p:cNvSpPr>
-          <p:nvPr/>
-        </p:nvSpPr>
-        <p:spPr bwMode="auto">
-          <a:xfrm>
-            <a:off x="1360488" y="5791200"/>
-            <a:ext cx="544512" cy="307975"/>
-          </a:xfrm>
-          <a:prstGeom prst="rect">
-            <a:avLst/>
-          </a:prstGeom>
-          <a:noFill/>
-          <a:ln w="9525">
-            <a:noFill/>
-            <a:miter lim="800000"/>
-            <a:headEnd/>
-            <a:tailEnd/>
-          </a:ln>
-        </p:spPr>
-        <p:txBody>
-          <a:bodyPr wrap="none">
-            <a:spAutoFit/>
-          </a:bodyPr>
-          <a:lstStyle/>
-          <a:p>
-            <a:r>
-              <a:rPr lang="en-US" sz="1400" dirty="0"/>
-              <a:t>Disks</a:t>
-            </a:r>
-          </a:p>
-        </p:txBody>
-      </p:sp>
-      <p:cxnSp>
-        <p:nvCxnSpPr>
-          <p:cNvPr id="126" name="Straight Connector 125"/>
-          <p:cNvCxnSpPr/>
-          <p:nvPr/>
-        </p:nvCxnSpPr>
-        <p:spPr bwMode="auto">
-          <a:xfrm rot="5400000">
-            <a:off x="1021082" y="3840478"/>
-            <a:ext cx="548640" cy="3"/>
-          </a:xfrm>
-          <a:prstGeom prst="line">
-            <a:avLst/>
-          </a:prstGeom>
-          <a:ln w="25400">
-            <a:solidFill>
-              <a:srgbClr val="008000"/>
-            </a:solidFill>
-            <a:headEnd type="none" w="med" len="med"/>
-            <a:tailEnd type="none" w="med" len="med"/>
-          </a:ln>
-        </p:spPr>
-        <p:style>
-          <a:lnRef idx="1">
-            <a:schemeClr val="dk1"/>
-          </a:lnRef>
-          <a:fillRef idx="0">
-            <a:schemeClr val="dk1"/>
-          </a:fillRef>
-          <a:effectRef idx="0">
-            <a:schemeClr val="dk1"/>
-          </a:effectRef>
-          <a:fontRef idx="minor">
-            <a:schemeClr val="tx1"/>
-          </a:fontRef>
-        </p:style>
-      </p:cxnSp>
-      <p:sp>
-        <p:nvSpPr>
-          <p:cNvPr id="66" name="Rectangle 7"/>
-          <p:cNvSpPr>
-            <a:spLocks noChangeArrowheads="1"/>
-          </p:cNvSpPr>
-          <p:nvPr/>
-        </p:nvSpPr>
-        <p:spPr bwMode="auto">
-          <a:xfrm>
-            <a:off x="457200" y="4114006"/>
-            <a:ext cx="7315200" cy="1296194"/>
-          </a:xfrm>
-          <a:prstGeom prst="rect">
-            <a:avLst/>
-          </a:prstGeom>
-          <a:noFill/>
-          <a:ln w="25400" algn="ctr">
-            <a:solidFill>
-              <a:srgbClr val="FF0000"/>
-            </a:solidFill>
-            <a:round/>
-            <a:headEnd/>
-            <a:tailEnd/>
-          </a:ln>
-        </p:spPr>
-        <p:txBody>
-          <a:bodyPr/>
-          <a:lstStyle/>
-          <a:p>
-            <a:pPr>
-              <a:lnSpc>
-                <a:spcPct val="90000"/>
-              </a:lnSpc>
-              <a:spcBef>
-                <a:spcPct val="20000"/>
-              </a:spcBef>
-              <a:buClr>
-                <a:schemeClr val="bg1"/>
-              </a:buClr>
-            </a:pPr>
-            <a:endParaRPr lang="en-US"/>
-          </a:p>
-        </p:txBody>
-      </p:sp>
-      <p:sp>
-        <p:nvSpPr>
-          <p:cNvPr id="67" name="Rectangle 7"/>
-          <p:cNvSpPr>
-            <a:spLocks noChangeArrowheads="1"/>
-          </p:cNvSpPr>
-          <p:nvPr/>
-        </p:nvSpPr>
-        <p:spPr bwMode="auto">
-          <a:xfrm>
-            <a:off x="457200" y="1371600"/>
-            <a:ext cx="1905000" cy="2209800"/>
-          </a:xfrm>
-          <a:prstGeom prst="rect">
-            <a:avLst/>
-          </a:prstGeom>
-          <a:noFill/>
-          <a:ln w="19050" algn="ctr">
-            <a:solidFill>
-              <a:srgbClr val="FF0000"/>
-            </a:solidFill>
-            <a:round/>
-            <a:headEnd/>
-            <a:tailEnd/>
-          </a:ln>
-        </p:spPr>
-        <p:txBody>
-          <a:bodyPr/>
-          <a:lstStyle/>
-          <a:p>
-            <a:pPr>
-              <a:lnSpc>
-                <a:spcPct val="90000"/>
-              </a:lnSpc>
-              <a:spcBef>
-                <a:spcPct val="20000"/>
-              </a:spcBef>
-              <a:buClr>
-                <a:schemeClr val="bg1"/>
-              </a:buClr>
-            </a:pPr>
-            <a:endParaRPr lang="en-US"/>
-          </a:p>
-        </p:txBody>
-      </p:sp>
-      <p:sp>
-        <p:nvSpPr>
-          <p:cNvPr id="68" name="Rectangle 7"/>
-          <p:cNvSpPr>
-            <a:spLocks noChangeArrowheads="1"/>
-          </p:cNvSpPr>
-          <p:nvPr/>
-        </p:nvSpPr>
-        <p:spPr bwMode="auto">
-          <a:xfrm>
-            <a:off x="5486400" y="1295400"/>
-            <a:ext cx="2209800" cy="2590800"/>
-          </a:xfrm>
-          <a:prstGeom prst="rect">
-            <a:avLst/>
-          </a:prstGeom>
-          <a:noFill/>
-          <a:ln w="19050" algn="ctr">
-            <a:solidFill>
-              <a:schemeClr val="tx1"/>
-            </a:solidFill>
-            <a:round/>
-            <a:headEnd/>
-            <a:tailEnd/>
-          </a:ln>
-        </p:spPr>
-        <p:txBody>
-          <a:bodyPr/>
-          <a:lstStyle/>
-          <a:p>
-            <a:pPr>
-              <a:lnSpc>
-                <a:spcPct val="90000"/>
-              </a:lnSpc>
-              <a:spcBef>
-                <a:spcPct val="20000"/>
-              </a:spcBef>
-              <a:buClr>
-                <a:schemeClr val="bg1"/>
-              </a:buClr>
-            </a:pPr>
-            <a:endParaRPr lang="en-US"/>
-          </a:p>
-        </p:txBody>
-      </p:sp>
-      <p:sp>
-        <p:nvSpPr>
-          <p:cNvPr id="70" name="TextBox 63"/>
-          <p:cNvSpPr txBox="1">
-            <a:spLocks noChangeArrowheads="1"/>
-          </p:cNvSpPr>
-          <p:nvPr/>
-        </p:nvSpPr>
-        <p:spPr bwMode="auto">
-          <a:xfrm>
-            <a:off x="3352800" y="4572000"/>
-            <a:ext cx="1676400" cy="461665"/>
-          </a:xfrm>
-          <a:prstGeom prst="rect">
-            <a:avLst/>
-          </a:prstGeom>
-          <a:noFill/>
-          <a:ln w="9525">
-            <a:noFill/>
-            <a:miter lim="800000"/>
-            <a:headEnd/>
-            <a:tailEnd/>
-          </a:ln>
-        </p:spPr>
-        <p:txBody>
-          <a:bodyPr wrap="square">
-            <a:spAutoFit/>
-          </a:bodyPr>
-          <a:lstStyle/>
-          <a:p>
-            <a:r>
-              <a:rPr lang="en-US" sz="2400" b="1" dirty="0" smtClean="0">
-                <a:solidFill>
-                  <a:srgbClr val="FF0000"/>
-                </a:solidFill>
-              </a:rPr>
-              <a:t>Linux</a:t>
-            </a:r>
-            <a:endParaRPr lang="en-US" sz="2400" b="1" dirty="0">
-              <a:solidFill>
-                <a:srgbClr val="FF0000"/>
-              </a:solidFill>
-            </a:endParaRPr>
-          </a:p>
-        </p:txBody>
-      </p:sp>
-      <p:sp>
-        <p:nvSpPr>
-          <p:cNvPr id="71" name="TextBox 63"/>
-          <p:cNvSpPr txBox="1">
-            <a:spLocks noChangeArrowheads="1"/>
-          </p:cNvSpPr>
-          <p:nvPr/>
-        </p:nvSpPr>
-        <p:spPr bwMode="auto">
-          <a:xfrm>
-            <a:off x="457200" y="1563469"/>
-            <a:ext cx="1905000" cy="646331"/>
-          </a:xfrm>
-          <a:prstGeom prst="rect">
-            <a:avLst/>
-          </a:prstGeom>
-          <a:noFill/>
-          <a:ln w="9525">
-            <a:noFill/>
-            <a:miter lim="800000"/>
-            <a:headEnd/>
-            <a:tailEnd/>
-          </a:ln>
-        </p:spPr>
-        <p:txBody>
-          <a:bodyPr wrap="square">
-            <a:spAutoFit/>
-          </a:bodyPr>
-          <a:lstStyle/>
-          <a:p>
-            <a:r>
-              <a:rPr lang="en-US" dirty="0" err="1" smtClean="0">
-                <a:solidFill>
-                  <a:srgbClr val="FF0000"/>
-                </a:solidFill>
-              </a:rPr>
-              <a:t>tcHvService.exe</a:t>
-            </a:r>
-            <a:endParaRPr lang="en-US" dirty="0" smtClean="0">
-              <a:solidFill>
-                <a:srgbClr val="FF0000"/>
-              </a:solidFill>
-            </a:endParaRPr>
-          </a:p>
-          <a:p>
-            <a:endParaRPr lang="en-US" b="1" dirty="0" smtClean="0">
-              <a:solidFill>
-                <a:srgbClr val="FF0000"/>
-              </a:solidFill>
-            </a:endParaRPr>
-          </a:p>
-        </p:txBody>
-      </p:sp>
-      <p:sp>
-        <p:nvSpPr>
-          <p:cNvPr id="73" name="TextBox 63"/>
-          <p:cNvSpPr txBox="1">
-            <a:spLocks noChangeArrowheads="1"/>
-          </p:cNvSpPr>
-          <p:nvPr/>
-        </p:nvSpPr>
-        <p:spPr bwMode="auto">
-          <a:xfrm>
-            <a:off x="457200" y="2310824"/>
-            <a:ext cx="1905000" cy="584776"/>
-          </a:xfrm>
-          <a:prstGeom prst="rect">
-            <a:avLst/>
-          </a:prstGeom>
-          <a:noFill/>
-          <a:ln w="9525">
-            <a:noFill/>
-            <a:miter lim="800000"/>
-            <a:headEnd/>
-            <a:tailEnd/>
-          </a:ln>
-        </p:spPr>
-        <p:txBody>
-          <a:bodyPr wrap="square">
-            <a:spAutoFit/>
-          </a:bodyPr>
-          <a:lstStyle/>
-          <a:p>
-            <a:r>
-              <a:rPr lang="en-US" sz="1600" dirty="0" smtClean="0"/>
-              <a:t>Tao (for </a:t>
-            </a:r>
-            <a:r>
-              <a:rPr lang="en-US" sz="1600" dirty="0" err="1" smtClean="0"/>
-              <a:t>Hv</a:t>
-            </a:r>
-            <a:r>
-              <a:rPr lang="en-US" sz="1600" dirty="0" smtClean="0"/>
-              <a:t>)</a:t>
-            </a:r>
-          </a:p>
-          <a:p>
-            <a:r>
-              <a:rPr lang="en-US" sz="1600" dirty="0" smtClean="0"/>
-              <a:t>Policy Public Key</a:t>
-            </a:r>
-            <a:endParaRPr lang="en-US" sz="1600" dirty="0"/>
-          </a:p>
-        </p:txBody>
-      </p:sp>
-      <p:cxnSp>
-        <p:nvCxnSpPr>
-          <p:cNvPr id="79" name="Straight Connector 78"/>
-          <p:cNvCxnSpPr/>
-          <p:nvPr/>
-        </p:nvCxnSpPr>
-        <p:spPr bwMode="auto">
-          <a:xfrm rot="5400000">
-            <a:off x="419894" y="5828506"/>
-            <a:ext cx="838200" cy="1588"/>
-          </a:xfrm>
-          <a:prstGeom prst="line">
-            <a:avLst/>
-          </a:prstGeom>
-          <a:ln w="19050">
-            <a:solidFill>
-              <a:srgbClr val="0000FF"/>
-            </a:solidFill>
-            <a:headEnd type="none" w="med" len="med"/>
-            <a:tailEnd type="none" w="med" len="med"/>
-          </a:ln>
-        </p:spPr>
-        <p:style>
-          <a:lnRef idx="1">
-            <a:schemeClr val="dk1"/>
-          </a:lnRef>
-          <a:fillRef idx="0">
-            <a:schemeClr val="dk1"/>
-          </a:fillRef>
-          <a:effectRef idx="0">
-            <a:schemeClr val="dk1"/>
-          </a:effectRef>
-          <a:fontRef idx="minor">
-            <a:schemeClr val="tx1"/>
-          </a:fontRef>
-        </p:style>
-      </p:cxnSp>
-      <p:sp>
-        <p:nvSpPr>
-          <p:cNvPr id="87" name="TextBox 63"/>
-          <p:cNvSpPr txBox="1">
-            <a:spLocks noChangeArrowheads="1"/>
-          </p:cNvSpPr>
-          <p:nvPr/>
-        </p:nvSpPr>
-        <p:spPr bwMode="auto">
-          <a:xfrm>
-            <a:off x="5791200" y="1295400"/>
-            <a:ext cx="1905000" cy="369332"/>
-          </a:xfrm>
-          <a:prstGeom prst="rect">
-            <a:avLst/>
-          </a:prstGeom>
-          <a:noFill/>
-          <a:ln w="9525">
-            <a:noFill/>
-            <a:miter lim="800000"/>
-            <a:headEnd/>
-            <a:tailEnd/>
-          </a:ln>
-        </p:spPr>
-        <p:txBody>
-          <a:bodyPr wrap="square">
-            <a:spAutoFit/>
-          </a:bodyPr>
-          <a:lstStyle/>
-          <a:p>
-            <a:r>
-              <a:rPr lang="en-US" dirty="0" smtClean="0">
-                <a:solidFill>
-                  <a:srgbClr val="0000FF"/>
-                </a:solidFill>
-              </a:rPr>
-              <a:t>Guest Partition</a:t>
-            </a:r>
-          </a:p>
-        </p:txBody>
-      </p:sp>
-      <p:cxnSp>
-        <p:nvCxnSpPr>
-          <p:cNvPr id="88" name="Straight Connector 87"/>
-          <p:cNvCxnSpPr/>
-          <p:nvPr/>
-        </p:nvCxnSpPr>
-        <p:spPr bwMode="auto">
-          <a:xfrm rot="5400000">
-            <a:off x="6558501" y="3967702"/>
-            <a:ext cx="292608" cy="1588"/>
-          </a:xfrm>
-          <a:prstGeom prst="line">
-            <a:avLst/>
-          </a:prstGeom>
-          <a:ln w="19050">
-            <a:solidFill>
-              <a:srgbClr val="008000"/>
-            </a:solidFill>
-            <a:headEnd type="none" w="med" len="med"/>
-            <a:tailEnd type="none" w="med" len="med"/>
-          </a:ln>
-        </p:spPr>
-        <p:style>
-          <a:lnRef idx="1">
-            <a:schemeClr val="dk1"/>
-          </a:lnRef>
-          <a:fillRef idx="0">
-            <a:schemeClr val="dk1"/>
-          </a:fillRef>
-          <a:effectRef idx="0">
-            <a:schemeClr val="dk1"/>
-          </a:effectRef>
-          <a:fontRef idx="minor">
-            <a:schemeClr val="tx1"/>
-          </a:fontRef>
-        </p:style>
-      </p:cxnSp>
-      <p:sp>
-        <p:nvSpPr>
-          <p:cNvPr id="99" name="Oval 64"/>
-          <p:cNvSpPr>
-            <a:spLocks noChangeArrowheads="1"/>
-          </p:cNvSpPr>
-          <p:nvPr/>
-        </p:nvSpPr>
-        <p:spPr bwMode="auto">
-          <a:xfrm>
-            <a:off x="533400" y="6248400"/>
-            <a:ext cx="685800" cy="457200"/>
-          </a:xfrm>
-          <a:prstGeom prst="ellipse">
-            <a:avLst/>
-          </a:prstGeom>
-          <a:noFill/>
-          <a:ln w="19050" algn="ctr">
-            <a:solidFill>
-              <a:schemeClr val="tx1"/>
-            </a:solidFill>
-            <a:round/>
-            <a:headEnd/>
-            <a:tailEnd/>
-          </a:ln>
-        </p:spPr>
-        <p:txBody>
-          <a:bodyPr/>
-          <a:lstStyle/>
-          <a:p>
-            <a:pPr>
-              <a:lnSpc>
-                <a:spcPct val="90000"/>
-              </a:lnSpc>
-              <a:spcBef>
-                <a:spcPct val="20000"/>
-              </a:spcBef>
-              <a:buClr>
-                <a:schemeClr val="bg1"/>
-              </a:buClr>
-            </a:pPr>
-            <a:endParaRPr lang="en-US"/>
-          </a:p>
-        </p:txBody>
-      </p:sp>
-      <p:sp>
-        <p:nvSpPr>
-          <p:cNvPr id="102" name="TextBox 65"/>
-          <p:cNvSpPr txBox="1">
-            <a:spLocks noChangeArrowheads="1"/>
-          </p:cNvSpPr>
-          <p:nvPr/>
-        </p:nvSpPr>
-        <p:spPr bwMode="auto">
-          <a:xfrm>
-            <a:off x="625278" y="6324600"/>
-            <a:ext cx="441522" cy="307777"/>
-          </a:xfrm>
-          <a:prstGeom prst="rect">
-            <a:avLst/>
-          </a:prstGeom>
-          <a:noFill/>
-          <a:ln w="9525">
-            <a:noFill/>
-            <a:miter lim="800000"/>
-            <a:headEnd/>
-            <a:tailEnd/>
-          </a:ln>
-        </p:spPr>
-        <p:txBody>
-          <a:bodyPr wrap="none">
-            <a:spAutoFit/>
-          </a:bodyPr>
-          <a:lstStyle/>
-          <a:p>
-            <a:r>
-              <a:rPr lang="en-US" sz="1400" dirty="0" smtClean="0"/>
-              <a:t>NIC</a:t>
-            </a:r>
-            <a:endParaRPr lang="en-US" sz="1400" dirty="0"/>
-          </a:p>
-        </p:txBody>
-      </p:sp>
-      <p:sp>
-        <p:nvSpPr>
-          <p:cNvPr id="108" name="TextBox 63"/>
-          <p:cNvSpPr txBox="1">
-            <a:spLocks noChangeArrowheads="1"/>
-          </p:cNvSpPr>
-          <p:nvPr/>
-        </p:nvSpPr>
-        <p:spPr bwMode="auto">
-          <a:xfrm>
-            <a:off x="5562600" y="1828800"/>
-            <a:ext cx="2057400" cy="830997"/>
-          </a:xfrm>
-          <a:prstGeom prst="rect">
-            <a:avLst/>
-          </a:prstGeom>
-          <a:noFill/>
-          <a:ln w="9525">
-            <a:noFill/>
-            <a:miter lim="800000"/>
-            <a:headEnd/>
-            <a:tailEnd/>
-          </a:ln>
-        </p:spPr>
-        <p:txBody>
-          <a:bodyPr wrap="square">
-            <a:spAutoFit/>
-          </a:bodyPr>
-          <a:lstStyle/>
-          <a:p>
-            <a:r>
-              <a:rPr lang="en-US" sz="1600" dirty="0" err="1" smtClean="0">
-                <a:solidFill>
-                  <a:srgbClr val="FF0000"/>
-                </a:solidFill>
-              </a:rPr>
-              <a:t>tcGuestOsService.exe</a:t>
-            </a:r>
-            <a:endParaRPr lang="en-US" sz="1600" dirty="0" smtClean="0"/>
-          </a:p>
-          <a:p>
-            <a:r>
-              <a:rPr lang="en-US" sz="1600" dirty="0" smtClean="0"/>
-              <a:t>Tao </a:t>
-            </a:r>
-            <a:r>
-              <a:rPr lang="en-US" sz="1600" dirty="0" smtClean="0"/>
-              <a:t>(for OS</a:t>
-            </a:r>
-            <a:r>
-              <a:rPr lang="en-US" sz="1600" dirty="0" smtClean="0"/>
-              <a:t>)</a:t>
-            </a:r>
-          </a:p>
-          <a:p>
-            <a:r>
-              <a:rPr lang="en-US" sz="1600" dirty="0" smtClean="0"/>
-              <a:t>Policy Public Key</a:t>
-            </a:r>
-            <a:endParaRPr lang="en-US" sz="1600" dirty="0"/>
-          </a:p>
-        </p:txBody>
-      </p:sp>
-      <p:sp>
-        <p:nvSpPr>
-          <p:cNvPr id="30" name="Rectangle 7"/>
-          <p:cNvSpPr>
-            <a:spLocks noChangeArrowheads="1"/>
-          </p:cNvSpPr>
-          <p:nvPr/>
-        </p:nvSpPr>
-        <p:spPr bwMode="auto">
-          <a:xfrm>
-            <a:off x="5562600" y="1752600"/>
-            <a:ext cx="2057400" cy="990600"/>
-          </a:xfrm>
-          <a:prstGeom prst="rect">
-            <a:avLst/>
-          </a:prstGeom>
-          <a:noFill/>
-          <a:ln w="25400" algn="ctr">
-            <a:solidFill>
-              <a:schemeClr val="tx2">
-                <a:lumMod val="75000"/>
-              </a:schemeClr>
-            </a:solidFill>
-            <a:round/>
-            <a:headEnd/>
-            <a:tailEnd/>
-          </a:ln>
-        </p:spPr>
-        <p:txBody>
-          <a:bodyPr/>
-          <a:lstStyle/>
-          <a:p>
-            <a:pPr>
-              <a:lnSpc>
-                <a:spcPct val="90000"/>
-              </a:lnSpc>
-              <a:spcBef>
-                <a:spcPct val="20000"/>
-              </a:spcBef>
-              <a:buClr>
-                <a:schemeClr val="bg1"/>
-              </a:buClr>
-            </a:pPr>
-            <a:endParaRPr lang="en-US"/>
-          </a:p>
-        </p:txBody>
-      </p:sp>
-      <p:sp>
-        <p:nvSpPr>
-          <p:cNvPr id="35" name="TextBox 63"/>
-          <p:cNvSpPr txBox="1">
-            <a:spLocks noChangeArrowheads="1"/>
-          </p:cNvSpPr>
-          <p:nvPr/>
-        </p:nvSpPr>
-        <p:spPr bwMode="auto">
-          <a:xfrm>
-            <a:off x="4800600" y="4629090"/>
-            <a:ext cx="838200" cy="400110"/>
-          </a:xfrm>
-          <a:prstGeom prst="rect">
-            <a:avLst/>
-          </a:prstGeom>
-          <a:noFill/>
-          <a:ln w="9525">
-            <a:noFill/>
-            <a:miter lim="800000"/>
-            <a:headEnd/>
-            <a:tailEnd/>
-          </a:ln>
-        </p:spPr>
-        <p:txBody>
-          <a:bodyPr wrap="square">
-            <a:spAutoFit/>
-          </a:bodyPr>
-          <a:lstStyle/>
-          <a:p>
-            <a:r>
-              <a:rPr lang="en-US" sz="2000" b="1" dirty="0" smtClean="0">
-                <a:solidFill>
-                  <a:srgbClr val="FF0000"/>
-                </a:solidFill>
-              </a:rPr>
-              <a:t>KVM</a:t>
-            </a:r>
-            <a:endParaRPr lang="en-US" sz="2000" b="1" dirty="0">
-              <a:solidFill>
-                <a:srgbClr val="FF0000"/>
-              </a:solidFill>
-            </a:endParaRPr>
-          </a:p>
-        </p:txBody>
-      </p:sp>
-      <p:cxnSp>
-        <p:nvCxnSpPr>
-          <p:cNvPr id="37" name="Straight Connector 36"/>
-          <p:cNvCxnSpPr/>
-          <p:nvPr/>
-        </p:nvCxnSpPr>
-        <p:spPr>
-          <a:xfrm rot="5400000">
-            <a:off x="4001294" y="4761706"/>
-            <a:ext cx="1295400" cy="1588"/>
-          </a:xfrm>
-          <a:prstGeom prst="line">
-            <a:avLst/>
-          </a:prstGeom>
-          <a:ln>
-            <a:solidFill>
-              <a:srgbClr val="FF0000"/>
-            </a:solidFill>
-          </a:ln>
-        </p:spPr>
-        <p:style>
-          <a:lnRef idx="2">
-            <a:schemeClr val="accent1"/>
-          </a:lnRef>
-          <a:fillRef idx="0">
-            <a:schemeClr val="accent1"/>
-          </a:fillRef>
-          <a:effectRef idx="1">
-            <a:schemeClr val="accent1"/>
-          </a:effectRef>
-          <a:fontRef idx="minor">
-            <a:schemeClr val="tx1"/>
-          </a:fontRef>
-        </p:style>
-      </p:cxnSp>
-      <p:sp>
-        <p:nvSpPr>
-          <p:cNvPr id="38" name="Rectangle 7"/>
-          <p:cNvSpPr>
-            <a:spLocks noChangeArrowheads="1"/>
-          </p:cNvSpPr>
-          <p:nvPr/>
-        </p:nvSpPr>
-        <p:spPr bwMode="auto">
-          <a:xfrm>
-            <a:off x="5562600" y="2895600"/>
-            <a:ext cx="1905000" cy="914400"/>
-          </a:xfrm>
-          <a:prstGeom prst="rect">
-            <a:avLst/>
-          </a:prstGeom>
-          <a:noFill/>
-          <a:ln w="25400" algn="ctr">
-            <a:solidFill>
-              <a:schemeClr val="tx2">
-                <a:lumMod val="75000"/>
-              </a:schemeClr>
-            </a:solidFill>
-            <a:round/>
-            <a:headEnd/>
-            <a:tailEnd/>
-          </a:ln>
-        </p:spPr>
-        <p:txBody>
-          <a:bodyPr/>
-          <a:lstStyle/>
-          <a:p>
-            <a:pPr>
-              <a:lnSpc>
-                <a:spcPct val="90000"/>
-              </a:lnSpc>
-              <a:spcBef>
-                <a:spcPct val="20000"/>
-              </a:spcBef>
-              <a:buClr>
-                <a:schemeClr val="bg1"/>
-              </a:buClr>
-            </a:pPr>
-            <a:endParaRPr lang="en-US"/>
-          </a:p>
-        </p:txBody>
-      </p:sp>
-      <p:sp>
-        <p:nvSpPr>
-          <p:cNvPr id="39" name="TextBox 63"/>
-          <p:cNvSpPr txBox="1">
-            <a:spLocks noChangeArrowheads="1"/>
-          </p:cNvSpPr>
-          <p:nvPr/>
-        </p:nvSpPr>
-        <p:spPr bwMode="auto">
-          <a:xfrm>
-            <a:off x="5562600" y="2902803"/>
-            <a:ext cx="1905000" cy="830997"/>
-          </a:xfrm>
-          <a:prstGeom prst="rect">
-            <a:avLst/>
-          </a:prstGeom>
-          <a:noFill/>
-          <a:ln w="9525">
-            <a:noFill/>
-            <a:miter lim="800000"/>
-            <a:headEnd/>
-            <a:tailEnd/>
-          </a:ln>
-        </p:spPr>
-        <p:txBody>
-          <a:bodyPr wrap="square">
-            <a:spAutoFit/>
-          </a:bodyPr>
-          <a:lstStyle/>
-          <a:p>
-            <a:r>
-              <a:rPr lang="en-US" sz="1600" dirty="0" err="1" smtClean="0">
-                <a:solidFill>
-                  <a:srgbClr val="FF0000"/>
-                </a:solidFill>
-              </a:rPr>
-              <a:t>tcGuestIoDD.ko</a:t>
-            </a:r>
-            <a:endParaRPr lang="en-US" sz="1600" dirty="0" smtClean="0"/>
-          </a:p>
-          <a:p>
-            <a:r>
-              <a:rPr lang="en-US" sz="1600" dirty="0" smtClean="0"/>
-              <a:t>Tao </a:t>
-            </a:r>
-            <a:r>
-              <a:rPr lang="en-US" sz="1600" dirty="0" smtClean="0"/>
-              <a:t>(for OS</a:t>
-            </a:r>
-            <a:r>
-              <a:rPr lang="en-US" sz="1600" dirty="0" smtClean="0"/>
-              <a:t>)</a:t>
-            </a:r>
-          </a:p>
-          <a:p>
-            <a:r>
-              <a:rPr lang="en-US" sz="1600" dirty="0" smtClean="0"/>
-              <a:t>Policy Public Key</a:t>
-            </a:r>
-            <a:endParaRPr lang="en-US" sz="1600" dirty="0"/>
-          </a:p>
-        </p:txBody>
-      </p:sp>
-      <p:cxnSp>
-        <p:nvCxnSpPr>
-          <p:cNvPr id="40" name="Straight Connector 39"/>
-          <p:cNvCxnSpPr/>
-          <p:nvPr/>
-        </p:nvCxnSpPr>
-        <p:spPr bwMode="auto">
-          <a:xfrm rot="5400000">
-            <a:off x="1529302" y="5555710"/>
-            <a:ext cx="292608" cy="1588"/>
-          </a:xfrm>
-          <a:prstGeom prst="line">
-            <a:avLst/>
-          </a:prstGeom>
-          <a:ln w="19050">
-            <a:solidFill>
-              <a:srgbClr val="0000FF"/>
-            </a:solidFill>
-            <a:headEnd type="none" w="med" len="med"/>
-            <a:tailEnd type="none" w="med" len="med"/>
-          </a:ln>
-        </p:spPr>
-        <p:style>
-          <a:lnRef idx="1">
-            <a:schemeClr val="dk1"/>
-          </a:lnRef>
-          <a:fillRef idx="0">
-            <a:schemeClr val="dk1"/>
-          </a:fillRef>
-          <a:effectRef idx="0">
-            <a:schemeClr val="dk1"/>
-          </a:effectRef>
-          <a:fontRef idx="minor">
-            <a:schemeClr val="tx1"/>
-          </a:fontRef>
-        </p:style>
-      </p:cxnSp>
-      <p:sp>
-        <p:nvSpPr>
-          <p:cNvPr id="41" name="Rectangle 7"/>
-          <p:cNvSpPr>
-            <a:spLocks noChangeArrowheads="1"/>
-          </p:cNvSpPr>
-          <p:nvPr/>
-        </p:nvSpPr>
-        <p:spPr bwMode="auto">
-          <a:xfrm>
-            <a:off x="685800" y="4114800"/>
-            <a:ext cx="1600200" cy="914400"/>
-          </a:xfrm>
-          <a:prstGeom prst="rect">
-            <a:avLst/>
-          </a:prstGeom>
-          <a:noFill/>
-          <a:ln w="25400" algn="ctr">
-            <a:solidFill>
-              <a:schemeClr val="tx2">
-                <a:lumMod val="75000"/>
-              </a:schemeClr>
-            </a:solidFill>
-            <a:round/>
-            <a:headEnd/>
-            <a:tailEnd/>
-          </a:ln>
-        </p:spPr>
-        <p:txBody>
-          <a:bodyPr/>
-          <a:lstStyle/>
-          <a:p>
-            <a:pPr>
-              <a:lnSpc>
-                <a:spcPct val="90000"/>
-              </a:lnSpc>
-              <a:spcBef>
-                <a:spcPct val="20000"/>
-              </a:spcBef>
-              <a:buClr>
-                <a:schemeClr val="bg1"/>
-              </a:buClr>
-            </a:pPr>
-            <a:endParaRPr lang="en-US"/>
-          </a:p>
-        </p:txBody>
-      </p:sp>
-      <p:sp>
-        <p:nvSpPr>
-          <p:cNvPr id="42" name="TextBox 63"/>
-          <p:cNvSpPr txBox="1">
-            <a:spLocks noChangeArrowheads="1"/>
-          </p:cNvSpPr>
-          <p:nvPr/>
-        </p:nvSpPr>
-        <p:spPr bwMode="auto">
-          <a:xfrm>
-            <a:off x="609600" y="4122003"/>
-            <a:ext cx="1676400" cy="830997"/>
-          </a:xfrm>
-          <a:prstGeom prst="rect">
-            <a:avLst/>
-          </a:prstGeom>
-          <a:noFill/>
-          <a:ln w="9525">
-            <a:noFill/>
-            <a:miter lim="800000"/>
-            <a:headEnd/>
-            <a:tailEnd/>
-          </a:ln>
-        </p:spPr>
-        <p:txBody>
-          <a:bodyPr wrap="square">
-            <a:spAutoFit/>
-          </a:bodyPr>
-          <a:lstStyle/>
-          <a:p>
-            <a:r>
-              <a:rPr lang="en-US" sz="1600" dirty="0" err="1" smtClean="0">
-                <a:solidFill>
-                  <a:srgbClr val="FF0000"/>
-                </a:solidFill>
-              </a:rPr>
-              <a:t>tcHvIoDD.ko</a:t>
-            </a:r>
-            <a:endParaRPr lang="en-US" sz="1600" dirty="0" smtClean="0"/>
-          </a:p>
-          <a:p>
-            <a:r>
-              <a:rPr lang="en-US" sz="1600" dirty="0" smtClean="0"/>
-              <a:t>Tao </a:t>
-            </a:r>
-            <a:r>
-              <a:rPr lang="en-US" sz="1600" dirty="0" smtClean="0"/>
-              <a:t>(for OS</a:t>
-            </a:r>
-            <a:r>
-              <a:rPr lang="en-US" sz="1600" dirty="0" smtClean="0"/>
-              <a:t>)</a:t>
-            </a:r>
-          </a:p>
-          <a:p>
-            <a:r>
-              <a:rPr lang="en-US" sz="1600" dirty="0" smtClean="0"/>
-              <a:t>Policy Public Key</a:t>
-            </a:r>
-            <a:endParaRPr lang="en-US" sz="1600" dirty="0"/>
-          </a:p>
-        </p:txBody>
-      </p:sp>
-      <p:cxnSp>
-        <p:nvCxnSpPr>
-          <p:cNvPr id="47" name="Straight Connector 46"/>
-          <p:cNvCxnSpPr/>
-          <p:nvPr/>
-        </p:nvCxnSpPr>
-        <p:spPr bwMode="auto">
-          <a:xfrm rot="5400000">
-            <a:off x="6634701" y="4793710"/>
-            <a:ext cx="292608" cy="1588"/>
-          </a:xfrm>
-          <a:prstGeom prst="line">
-            <a:avLst/>
-          </a:prstGeom>
-          <a:ln w="19050">
-            <a:solidFill>
-              <a:srgbClr val="0000FF"/>
-            </a:solidFill>
-            <a:headEnd type="none" w="med" len="med"/>
-            <a:tailEnd type="none" w="med" len="med"/>
-          </a:ln>
-        </p:spPr>
-        <p:style>
-          <a:lnRef idx="1">
-            <a:schemeClr val="dk1"/>
-          </a:lnRef>
-          <a:fillRef idx="0">
-            <a:schemeClr val="dk1"/>
-          </a:fillRef>
-          <a:effectRef idx="0">
-            <a:schemeClr val="dk1"/>
-          </a:effectRef>
-          <a:fontRef idx="minor">
-            <a:schemeClr val="tx1"/>
-          </a:fontRef>
-        </p:style>
-      </p:cxnSp>
-      <p:sp>
-        <p:nvSpPr>
-          <p:cNvPr id="48" name="Rectangle 7"/>
-          <p:cNvSpPr>
-            <a:spLocks noChangeArrowheads="1"/>
-          </p:cNvSpPr>
-          <p:nvPr/>
-        </p:nvSpPr>
-        <p:spPr bwMode="auto">
-          <a:xfrm>
-            <a:off x="5943600" y="4114800"/>
-            <a:ext cx="1600200" cy="914400"/>
-          </a:xfrm>
-          <a:prstGeom prst="rect">
-            <a:avLst/>
-          </a:prstGeom>
-          <a:noFill/>
-          <a:ln w="25400" algn="ctr">
-            <a:solidFill>
-              <a:schemeClr val="tx2">
-                <a:lumMod val="75000"/>
-              </a:schemeClr>
-            </a:solidFill>
-            <a:round/>
-            <a:headEnd/>
-            <a:tailEnd/>
-          </a:ln>
-        </p:spPr>
-        <p:txBody>
-          <a:bodyPr/>
-          <a:lstStyle/>
-          <a:p>
-            <a:pPr>
-              <a:lnSpc>
-                <a:spcPct val="90000"/>
-              </a:lnSpc>
-              <a:spcBef>
-                <a:spcPct val="20000"/>
-              </a:spcBef>
-              <a:buClr>
-                <a:schemeClr val="bg1"/>
-              </a:buClr>
-            </a:pPr>
-            <a:endParaRPr lang="en-US"/>
-          </a:p>
-        </p:txBody>
-      </p:sp>
-      <p:sp>
-        <p:nvSpPr>
-          <p:cNvPr id="49" name="TextBox 63"/>
-          <p:cNvSpPr txBox="1">
-            <a:spLocks noChangeArrowheads="1"/>
-          </p:cNvSpPr>
-          <p:nvPr/>
-        </p:nvSpPr>
-        <p:spPr bwMode="auto">
-          <a:xfrm>
-            <a:off x="5867400" y="4122003"/>
-            <a:ext cx="1676400" cy="830997"/>
-          </a:xfrm>
-          <a:prstGeom prst="rect">
-            <a:avLst/>
-          </a:prstGeom>
-          <a:noFill/>
-          <a:ln w="9525">
-            <a:noFill/>
-            <a:miter lim="800000"/>
-            <a:headEnd/>
-            <a:tailEnd/>
-          </a:ln>
-        </p:spPr>
-        <p:txBody>
-          <a:bodyPr wrap="square">
-            <a:spAutoFit/>
-          </a:bodyPr>
-          <a:lstStyle/>
-          <a:p>
-            <a:r>
-              <a:rPr lang="en-US" sz="1600" dirty="0" err="1" smtClean="0">
-                <a:solidFill>
-                  <a:srgbClr val="FF0000"/>
-                </a:solidFill>
-              </a:rPr>
-              <a:t>tcHostIoDD.ko</a:t>
-            </a:r>
-            <a:endParaRPr lang="en-US" sz="1600" dirty="0" smtClean="0"/>
-          </a:p>
-          <a:p>
-            <a:r>
-              <a:rPr lang="en-US" sz="1600" dirty="0" smtClean="0"/>
-              <a:t>Tao </a:t>
-            </a:r>
-            <a:r>
-              <a:rPr lang="en-US" sz="1600" dirty="0" smtClean="0"/>
-              <a:t>(for OS</a:t>
-            </a:r>
-            <a:r>
-              <a:rPr lang="en-US" sz="1600" dirty="0" smtClean="0"/>
-              <a:t>)</a:t>
-            </a:r>
-          </a:p>
-          <a:p>
-            <a:r>
-              <a:rPr lang="en-US" sz="1600" dirty="0" smtClean="0"/>
-              <a:t>Policy Public Key</a:t>
-            </a:r>
-            <a:endParaRPr lang="en-US" sz="1600" dirty="0"/>
-          </a:p>
-        </p:txBody>
-      </p:sp>
-      <p:cxnSp>
-        <p:nvCxnSpPr>
-          <p:cNvPr id="52" name="Straight Connector 51"/>
-          <p:cNvCxnSpPr>
-            <a:stCxn id="41" idx="3"/>
-            <a:endCxn id="48" idx="1"/>
-          </p:cNvCxnSpPr>
-          <p:nvPr/>
-        </p:nvCxnSpPr>
-        <p:spPr>
-          <a:xfrm>
-            <a:off x="2286000" y="4572000"/>
-            <a:ext cx="3657600" cy="1588"/>
-          </a:xfrm>
-          <a:prstGeom prst="line">
-            <a:avLst/>
-          </a:prstGeom>
-          <a:ln>
-            <a:solidFill>
-              <a:schemeClr val="accent5">
-                <a:lumMod val="75000"/>
-              </a:schemeClr>
-            </a:solidFill>
-            <a:headEnd type="arrow"/>
-            <a:tailEnd type="arrow"/>
-          </a:ln>
-        </p:spPr>
-        <p:style>
-          <a:lnRef idx="2">
-            <a:schemeClr val="accent1"/>
-          </a:lnRef>
-          <a:fillRef idx="0">
-            <a:schemeClr val="accent1"/>
-          </a:fillRef>
-          <a:effectRef idx="1">
-            <a:schemeClr val="accent1"/>
-          </a:effectRef>
-          <a:fontRef idx="minor">
-            <a:schemeClr val="tx1"/>
-          </a:fontRef>
-        </p:style>
-      </p:cxnSp>
-    </p:spTree>
-    <p:extLst>
-      <p:ext uri="{BB962C8B-B14F-4D97-AF65-F5344CB8AC3E}">
-        <p14:creationId xmlns="" xmlns:a="http://schemas.openxmlformats.org/drawingml/2006/main" xmlns:r="http://schemas.openxmlformats.org/officeDocument/2006/relationships" xmlns:p="http://schemas.openxmlformats.org/presentationml/2006/main" xmlns:p14="http://schemas.microsoft.com/office/powerpoint/2010/main" xmlns:mv="urn:schemas-microsoft-com:mac:vml" xmlns:mc="http://schemas.openxmlformats.org/markup-compatibility/2006" val="3115145481"/>
-      </p:ext>
-    </p:extLst>
-  </p:cSld>
-  <p:clrMapOvr>
-    <a:masterClrMapping/>
-  </p:clrMapOvr>
-  <p:transition advClick="0"/>
   <p:timing>
     <p:tnLst>
       <p:par>
